--- a/research.pptx
+++ b/research.pptx
@@ -6,14 +6,15 @@
   </p:sldMasterIdLst>
   <p:sldIdLst>
     <p:sldId id="256" r:id="rId2"/>
-    <p:sldId id="257" r:id="rId3"/>
-    <p:sldId id="258" r:id="rId4"/>
-    <p:sldId id="259" r:id="rId5"/>
-    <p:sldId id="260" r:id="rId6"/>
-    <p:sldId id="261" r:id="rId7"/>
-    <p:sldId id="263" r:id="rId8"/>
-    <p:sldId id="264" r:id="rId9"/>
-    <p:sldId id="265" r:id="rId10"/>
+    <p:sldId id="266" r:id="rId3"/>
+    <p:sldId id="264" r:id="rId4"/>
+    <p:sldId id="257" r:id="rId5"/>
+    <p:sldId id="258" r:id="rId6"/>
+    <p:sldId id="259" r:id="rId7"/>
+    <p:sldId id="260" r:id="rId8"/>
+    <p:sldId id="263" r:id="rId9"/>
+    <p:sldId id="261" r:id="rId10"/>
+    <p:sldId id="265" r:id="rId11"/>
   </p:sldIdLst>
   <p:sldSz cx="9144000" cy="6858000" type="screen4x3"/>
   <p:notesSz cx="6858000" cy="9144000"/>
@@ -296,7 +297,8 @@
           <a:p>
             <a:fld id="{1D6DB292-09B1-4453-A976-957E7A63051A}" type="datetimeFigureOut">
               <a:rPr lang="zh-CN" altLang="en-US" smtClean="0"/>
-              <a:t>2012/5/22</a:t>
+              <a:pPr/>
+              <a:t>2012/5/23</a:t>
             </a:fld>
             <a:endParaRPr lang="zh-CN" altLang="en-US"/>
           </a:p>
@@ -338,6 +340,7 @@
           <a:p>
             <a:fld id="{7781D31D-F1C2-46AF-AECB-1EF3EA9C320B}" type="slidenum">
               <a:rPr lang="zh-CN" altLang="en-US" smtClean="0"/>
+              <a:pPr/>
               <a:t>‹#›</a:t>
             </a:fld>
             <a:endParaRPr lang="zh-CN" altLang="en-US"/>
@@ -461,7 +464,8 @@
           <a:p>
             <a:fld id="{1D6DB292-09B1-4453-A976-957E7A63051A}" type="datetimeFigureOut">
               <a:rPr lang="zh-CN" altLang="en-US" smtClean="0"/>
-              <a:t>2012/5/22</a:t>
+              <a:pPr/>
+              <a:t>2012/5/23</a:t>
             </a:fld>
             <a:endParaRPr lang="zh-CN" altLang="en-US"/>
           </a:p>
@@ -503,6 +507,7 @@
           <a:p>
             <a:fld id="{7781D31D-F1C2-46AF-AECB-1EF3EA9C320B}" type="slidenum">
               <a:rPr lang="zh-CN" altLang="en-US" smtClean="0"/>
+              <a:pPr/>
               <a:t>‹#›</a:t>
             </a:fld>
             <a:endParaRPr lang="zh-CN" altLang="en-US"/>
@@ -636,7 +641,8 @@
           <a:p>
             <a:fld id="{1D6DB292-09B1-4453-A976-957E7A63051A}" type="datetimeFigureOut">
               <a:rPr lang="zh-CN" altLang="en-US" smtClean="0"/>
-              <a:t>2012/5/22</a:t>
+              <a:pPr/>
+              <a:t>2012/5/23</a:t>
             </a:fld>
             <a:endParaRPr lang="zh-CN" altLang="en-US"/>
           </a:p>
@@ -678,6 +684,7 @@
           <a:p>
             <a:fld id="{7781D31D-F1C2-46AF-AECB-1EF3EA9C320B}" type="slidenum">
               <a:rPr lang="zh-CN" altLang="en-US" smtClean="0"/>
+              <a:pPr/>
               <a:t>‹#›</a:t>
             </a:fld>
             <a:endParaRPr lang="zh-CN" altLang="en-US"/>
@@ -801,7 +808,8 @@
           <a:p>
             <a:fld id="{1D6DB292-09B1-4453-A976-957E7A63051A}" type="datetimeFigureOut">
               <a:rPr lang="zh-CN" altLang="en-US" smtClean="0"/>
-              <a:t>2012/5/22</a:t>
+              <a:pPr/>
+              <a:t>2012/5/23</a:t>
             </a:fld>
             <a:endParaRPr lang="zh-CN" altLang="en-US"/>
           </a:p>
@@ -843,6 +851,7 @@
           <a:p>
             <a:fld id="{7781D31D-F1C2-46AF-AECB-1EF3EA9C320B}" type="slidenum">
               <a:rPr lang="zh-CN" altLang="en-US" smtClean="0"/>
+              <a:pPr/>
               <a:t>‹#›</a:t>
             </a:fld>
             <a:endParaRPr lang="zh-CN" altLang="en-US"/>
@@ -1042,7 +1051,8 @@
           <a:p>
             <a:fld id="{1D6DB292-09B1-4453-A976-957E7A63051A}" type="datetimeFigureOut">
               <a:rPr lang="zh-CN" altLang="en-US" smtClean="0"/>
-              <a:t>2012/5/22</a:t>
+              <a:pPr/>
+              <a:t>2012/5/23</a:t>
             </a:fld>
             <a:endParaRPr lang="zh-CN" altLang="en-US"/>
           </a:p>
@@ -1084,6 +1094,7 @@
           <a:p>
             <a:fld id="{7781D31D-F1C2-46AF-AECB-1EF3EA9C320B}" type="slidenum">
               <a:rPr lang="zh-CN" altLang="en-US" smtClean="0"/>
+              <a:pPr/>
               <a:t>‹#›</a:t>
             </a:fld>
             <a:endParaRPr lang="zh-CN" altLang="en-US"/>
@@ -1325,7 +1336,8 @@
           <a:p>
             <a:fld id="{1D6DB292-09B1-4453-A976-957E7A63051A}" type="datetimeFigureOut">
               <a:rPr lang="zh-CN" altLang="en-US" smtClean="0"/>
-              <a:t>2012/5/22</a:t>
+              <a:pPr/>
+              <a:t>2012/5/23</a:t>
             </a:fld>
             <a:endParaRPr lang="zh-CN" altLang="en-US"/>
           </a:p>
@@ -1367,6 +1379,7 @@
           <a:p>
             <a:fld id="{7781D31D-F1C2-46AF-AECB-1EF3EA9C320B}" type="slidenum">
               <a:rPr lang="zh-CN" altLang="en-US" smtClean="0"/>
+              <a:pPr/>
               <a:t>‹#›</a:t>
             </a:fld>
             <a:endParaRPr lang="zh-CN" altLang="en-US"/>
@@ -1742,7 +1755,8 @@
           <a:p>
             <a:fld id="{1D6DB292-09B1-4453-A976-957E7A63051A}" type="datetimeFigureOut">
               <a:rPr lang="zh-CN" altLang="en-US" smtClean="0"/>
-              <a:t>2012/5/22</a:t>
+              <a:pPr/>
+              <a:t>2012/5/23</a:t>
             </a:fld>
             <a:endParaRPr lang="zh-CN" altLang="en-US"/>
           </a:p>
@@ -1784,6 +1798,7 @@
           <a:p>
             <a:fld id="{7781D31D-F1C2-46AF-AECB-1EF3EA9C320B}" type="slidenum">
               <a:rPr lang="zh-CN" altLang="en-US" smtClean="0"/>
+              <a:pPr/>
               <a:t>‹#›</a:t>
             </a:fld>
             <a:endParaRPr lang="zh-CN" altLang="en-US"/>
@@ -1855,7 +1870,8 @@
           <a:p>
             <a:fld id="{1D6DB292-09B1-4453-A976-957E7A63051A}" type="datetimeFigureOut">
               <a:rPr lang="zh-CN" altLang="en-US" smtClean="0"/>
-              <a:t>2012/5/22</a:t>
+              <a:pPr/>
+              <a:t>2012/5/23</a:t>
             </a:fld>
             <a:endParaRPr lang="zh-CN" altLang="en-US"/>
           </a:p>
@@ -1897,6 +1913,7 @@
           <a:p>
             <a:fld id="{7781D31D-F1C2-46AF-AECB-1EF3EA9C320B}" type="slidenum">
               <a:rPr lang="zh-CN" altLang="en-US" smtClean="0"/>
+              <a:pPr/>
               <a:t>‹#›</a:t>
             </a:fld>
             <a:endParaRPr lang="zh-CN" altLang="en-US"/>
@@ -1945,7 +1962,8 @@
           <a:p>
             <a:fld id="{1D6DB292-09B1-4453-A976-957E7A63051A}" type="datetimeFigureOut">
               <a:rPr lang="zh-CN" altLang="en-US" smtClean="0"/>
-              <a:t>2012/5/22</a:t>
+              <a:pPr/>
+              <a:t>2012/5/23</a:t>
             </a:fld>
             <a:endParaRPr lang="zh-CN" altLang="en-US"/>
           </a:p>
@@ -1987,6 +2005,7 @@
           <a:p>
             <a:fld id="{7781D31D-F1C2-46AF-AECB-1EF3EA9C320B}" type="slidenum">
               <a:rPr lang="zh-CN" altLang="en-US" smtClean="0"/>
+              <a:pPr/>
               <a:t>‹#›</a:t>
             </a:fld>
             <a:endParaRPr lang="zh-CN" altLang="en-US"/>
@@ -2217,7 +2236,8 @@
           <a:p>
             <a:fld id="{1D6DB292-09B1-4453-A976-957E7A63051A}" type="datetimeFigureOut">
               <a:rPr lang="zh-CN" altLang="en-US" smtClean="0"/>
-              <a:t>2012/5/22</a:t>
+              <a:pPr/>
+              <a:t>2012/5/23</a:t>
             </a:fld>
             <a:endParaRPr lang="zh-CN" altLang="en-US"/>
           </a:p>
@@ -2259,6 +2279,7 @@
           <a:p>
             <a:fld id="{7781D31D-F1C2-46AF-AECB-1EF3EA9C320B}" type="slidenum">
               <a:rPr lang="zh-CN" altLang="en-US" smtClean="0"/>
+              <a:pPr/>
               <a:t>‹#›</a:t>
             </a:fld>
             <a:endParaRPr lang="zh-CN" altLang="en-US"/>
@@ -2465,7 +2486,8 @@
           <a:p>
             <a:fld id="{1D6DB292-09B1-4453-A976-957E7A63051A}" type="datetimeFigureOut">
               <a:rPr lang="zh-CN" altLang="en-US" smtClean="0"/>
-              <a:t>2012/5/22</a:t>
+              <a:pPr/>
+              <a:t>2012/5/23</a:t>
             </a:fld>
             <a:endParaRPr lang="zh-CN" altLang="en-US"/>
           </a:p>
@@ -2507,6 +2529,7 @@
           <a:p>
             <a:fld id="{7781D31D-F1C2-46AF-AECB-1EF3EA9C320B}" type="slidenum">
               <a:rPr lang="zh-CN" altLang="en-US" smtClean="0"/>
+              <a:pPr/>
               <a:t>‹#›</a:t>
             </a:fld>
             <a:endParaRPr lang="zh-CN" altLang="en-US"/>
@@ -2673,7 +2696,8 @@
           <a:p>
             <a:fld id="{1D6DB292-09B1-4453-A976-957E7A63051A}" type="datetimeFigureOut">
               <a:rPr lang="zh-CN" altLang="en-US" smtClean="0"/>
-              <a:t>2012/5/22</a:t>
+              <a:pPr/>
+              <a:t>2012/5/23</a:t>
             </a:fld>
             <a:endParaRPr lang="zh-CN" altLang="en-US"/>
           </a:p>
@@ -2751,6 +2775,7 @@
           <a:p>
             <a:fld id="{7781D31D-F1C2-46AF-AECB-1EF3EA9C320B}" type="slidenum">
               <a:rPr lang="zh-CN" altLang="en-US" smtClean="0"/>
+              <a:pPr/>
               <a:t>‹#›</a:t>
             </a:fld>
             <a:endParaRPr lang="zh-CN" altLang="en-US"/>
@@ -3216,8 +3241,235 @@
                 <a:ea typeface="微软雅黑" pitchFamily="34" charset="-122"/>
                 <a:cs typeface="+mj-cs"/>
               </a:rPr>
-              <a:t>美味书签扩展的一些调研</a:t>
-            </a:r>
+              <a:t>美味书签</a:t>
+            </a:r>
+            <a:r>
+              <a:rPr kumimoji="0" lang="zh-CN" altLang="en-US" sz="4400" b="0" i="0" u="none" strike="noStrike" kern="1200" cap="none" spc="0" normalizeH="0" baseline="0" noProof="0" dirty="0" smtClean="0">
+                <a:ln>
+                  <a:noFill/>
+                </a:ln>
+                <a:solidFill>
+                  <a:schemeClr val="tx1"/>
+                </a:solidFill>
+                <a:effectLst/>
+                <a:uLnTx/>
+                <a:uFillTx/>
+                <a:latin typeface="微软雅黑" pitchFamily="34" charset="-122"/>
+                <a:ea typeface="微软雅黑" pitchFamily="34" charset="-122"/>
+                <a:cs typeface="+mj-cs"/>
+              </a:rPr>
+              <a:t>扩展</a:t>
+            </a:r>
+            <a:r>
+              <a:rPr lang="zh-CN" altLang="en-US" sz="4400" dirty="0" smtClean="0">
+                <a:latin typeface="微软雅黑" pitchFamily="34" charset="-122"/>
+                <a:ea typeface="微软雅黑" pitchFamily="34" charset="-122"/>
+                <a:cs typeface="+mj-cs"/>
+              </a:rPr>
+              <a:t>相关</a:t>
+            </a:r>
+            <a:r>
+              <a:rPr kumimoji="0" lang="zh-CN" altLang="en-US" sz="4400" b="0" i="0" u="none" strike="noStrike" kern="1200" cap="none" spc="0" normalizeH="0" baseline="0" noProof="0" dirty="0" smtClean="0">
+                <a:ln>
+                  <a:noFill/>
+                </a:ln>
+                <a:solidFill>
+                  <a:schemeClr val="tx1"/>
+                </a:solidFill>
+                <a:effectLst/>
+                <a:uLnTx/>
+                <a:uFillTx/>
+                <a:latin typeface="微软雅黑" pitchFamily="34" charset="-122"/>
+                <a:ea typeface="微软雅黑" pitchFamily="34" charset="-122"/>
+                <a:cs typeface="+mj-cs"/>
+              </a:rPr>
+              <a:t>调研</a:t>
+            </a:r>
+            <a:endParaRPr kumimoji="0" lang="zh-CN" altLang="en-US" sz="4400" b="0" i="0" u="none" strike="noStrike" kern="1200" cap="none" spc="0" normalizeH="0" baseline="0" noProof="0" dirty="0" smtClean="0">
+              <a:ln>
+                <a:noFill/>
+              </a:ln>
+              <a:solidFill>
+                <a:schemeClr val="tx1"/>
+              </a:solidFill>
+              <a:effectLst/>
+              <a:uLnTx/>
+              <a:uFillTx/>
+              <a:latin typeface="微软雅黑" pitchFamily="34" charset="-122"/>
+              <a:ea typeface="微软雅黑" pitchFamily="34" charset="-122"/>
+              <a:cs typeface="+mj-cs"/>
+            </a:endParaRPr>
+          </a:p>
+        </p:txBody>
+      </p:sp>
+    </p:spTree>
+  </p:cSld>
+  <p:clrMapOvr>
+    <a:masterClrMapping/>
+  </p:clrMapOvr>
+  <p:timing>
+    <p:tnLst>
+      <p:par>
+        <p:cTn id="1" dur="indefinite" restart="never" nodeType="tmRoot"/>
+      </p:par>
+    </p:tnLst>
+  </p:timing>
+</p:sld>
+</file>
+
+<file path=ppt/slides/slide10.xml><?xml version="1.0" encoding="utf-8"?>
+<p:sld xmlns:a="http://schemas.openxmlformats.org/drawingml/2006/main" xmlns:r="http://schemas.openxmlformats.org/officeDocument/2006/relationships" xmlns:p="http://schemas.openxmlformats.org/presentationml/2006/main">
+  <p:cSld>
+    <p:spTree>
+      <p:nvGrpSpPr>
+        <p:cNvPr id="1" name=""/>
+        <p:cNvGrpSpPr/>
+        <p:nvPr/>
+      </p:nvGrpSpPr>
+      <p:grpSpPr>
+        <a:xfrm>
+          <a:off x="0" y="0"/>
+          <a:ext cx="0" cy="0"/>
+          <a:chOff x="0" y="0"/>
+          <a:chExt cx="0" cy="0"/>
+        </a:xfrm>
+      </p:grpSpPr>
+      <p:pic>
+        <p:nvPicPr>
+          <p:cNvPr id="10242" name="Picture 2"/>
+          <p:cNvPicPr>
+            <a:picLocks noGrp="1" noChangeAspect="1" noChangeArrowheads="1"/>
+          </p:cNvPicPr>
+          <p:nvPr>
+            <p:ph idx="1"/>
+          </p:nvPr>
+        </p:nvPicPr>
+        <p:blipFill>
+          <a:blip r:embed="rId2" cstate="print"/>
+          <a:srcRect/>
+          <a:stretch>
+            <a:fillRect/>
+          </a:stretch>
+        </p:blipFill>
+        <p:spPr bwMode="auto">
+          <a:xfrm>
+            <a:off x="1857356" y="500042"/>
+            <a:ext cx="4781550" cy="3914775"/>
+          </a:xfrm>
+          <a:prstGeom prst="rect">
+            <a:avLst/>
+          </a:prstGeom>
+          <a:ln w="38100" cap="sq">
+            <a:solidFill>
+              <a:srgbClr val="000000"/>
+            </a:solidFill>
+            <a:prstDash val="solid"/>
+            <a:miter lim="800000"/>
+          </a:ln>
+          <a:effectLst>
+            <a:outerShdw blurRad="50800" dist="38100" dir="2700000" algn="tl" rotWithShape="0">
+              <a:srgbClr val="000000">
+                <a:alpha val="43000"/>
+              </a:srgbClr>
+            </a:outerShdw>
+          </a:effectLst>
+        </p:spPr>
+      </p:pic>
+      <p:sp>
+        <p:nvSpPr>
+          <p:cNvPr id="5" name="TextBox 4"/>
+          <p:cNvSpPr txBox="1"/>
+          <p:nvPr/>
+        </p:nvSpPr>
+        <p:spPr>
+          <a:xfrm>
+            <a:off x="571472" y="4929198"/>
+            <a:ext cx="8001056" cy="1384995"/>
+          </a:xfrm>
+          <a:prstGeom prst="rect">
+            <a:avLst/>
+          </a:prstGeom>
+          <a:solidFill>
+            <a:srgbClr val="68AA35">
+              <a:alpha val="65098"/>
+            </a:srgbClr>
+          </a:solidFill>
+          <a:ln>
+            <a:noFill/>
+          </a:ln>
+        </p:spPr>
+        <p:style>
+          <a:lnRef idx="1">
+            <a:schemeClr val="accent3"/>
+          </a:lnRef>
+          <a:fillRef idx="3">
+            <a:schemeClr val="accent3"/>
+          </a:fillRef>
+          <a:effectRef idx="2">
+            <a:schemeClr val="accent3"/>
+          </a:effectRef>
+          <a:fontRef idx="minor">
+            <a:schemeClr val="lt1"/>
+          </a:fontRef>
+        </p:style>
+        <p:txBody>
+          <a:bodyPr wrap="square" lIns="180000" rIns="180000" rtlCol="0" anchor="t" anchorCtr="0">
+            <a:spAutoFit/>
+          </a:bodyPr>
+          <a:lstStyle/>
+          <a:p>
+            <a:r>
+              <a:rPr lang="zh-CN" altLang="en-US" sz="2800" dirty="0" err="1">
+                <a:solidFill>
+                  <a:schemeClr val="bg1"/>
+                </a:solidFill>
+                <a:effectLst/>
+                <a:latin typeface="微软雅黑" pitchFamily="34" charset="-122"/>
+                <a:ea typeface="微软雅黑" pitchFamily="34" charset="-122"/>
+              </a:rPr>
+              <a:t>同时也调研了</a:t>
+            </a:r>
+            <a:r>
+              <a:rPr lang="en-US" altLang="zh-CN" sz="2800" dirty="0">
+                <a:solidFill>
+                  <a:schemeClr val="bg1"/>
+                </a:solidFill>
+                <a:effectLst/>
+                <a:latin typeface="微软雅黑" pitchFamily="34" charset="-122"/>
+                <a:ea typeface="微软雅黑" pitchFamily="34" charset="-122"/>
+              </a:rPr>
+              <a:t>delicious</a:t>
+            </a:r>
+            <a:r>
+              <a:rPr lang="zh-CN" altLang="en-US" sz="2800" dirty="0">
+                <a:solidFill>
+                  <a:schemeClr val="bg1"/>
+                </a:solidFill>
+                <a:effectLst/>
+                <a:latin typeface="微软雅黑" pitchFamily="34" charset="-122"/>
+                <a:ea typeface="微软雅黑" pitchFamily="34" charset="-122"/>
+              </a:rPr>
+              <a:t>目前的一个扩展，设计上没有前面所述的两个要好，并且感觉是无人维护状态</a:t>
+            </a:r>
+            <a:r>
+              <a:rPr lang="en-US" altLang="zh-CN" sz="2800" dirty="0">
+                <a:solidFill>
+                  <a:schemeClr val="bg1"/>
+                </a:solidFill>
+                <a:effectLst/>
+                <a:latin typeface="微软雅黑" pitchFamily="34" charset="-122"/>
+                <a:ea typeface="微软雅黑" pitchFamily="34" charset="-122"/>
+              </a:rPr>
+              <a:t>…</a:t>
+            </a:r>
+            <a:endParaRPr lang="zh-CN" altLang="en-US" sz="2800" dirty="0" err="1">
+              <a:solidFill>
+                <a:schemeClr val="bg1"/>
+              </a:solidFill>
+              <a:effectLst/>
+              <a:latin typeface="微软雅黑" pitchFamily="34" charset="-122"/>
+              <a:ea typeface="微软雅黑" pitchFamily="34" charset="-122"/>
+            </a:endParaRPr>
           </a:p>
         </p:txBody>
       </p:sp>
@@ -3237,6 +3489,390 @@
 </file>
 
 <file path=ppt/slides/slide2.xml><?xml version="1.0" encoding="utf-8"?>
+<p:sld xmlns:a="http://schemas.openxmlformats.org/drawingml/2006/main" xmlns:r="http://schemas.openxmlformats.org/officeDocument/2006/relationships" xmlns:p="http://schemas.openxmlformats.org/presentationml/2006/main">
+  <p:cSld>
+    <p:spTree>
+      <p:nvGrpSpPr>
+        <p:cNvPr id="1" name=""/>
+        <p:cNvGrpSpPr/>
+        <p:nvPr/>
+      </p:nvGrpSpPr>
+      <p:grpSpPr>
+        <a:xfrm>
+          <a:off x="0" y="0"/>
+          <a:ext cx="0" cy="0"/>
+          <a:chOff x="0" y="0"/>
+          <a:chExt cx="0" cy="0"/>
+        </a:xfrm>
+      </p:grpSpPr>
+      <p:sp>
+        <p:nvSpPr>
+          <p:cNvPr id="2" name="标题 1"/>
+          <p:cNvSpPr>
+            <a:spLocks noGrp="1"/>
+          </p:cNvSpPr>
+          <p:nvPr>
+            <p:ph type="title"/>
+          </p:nvPr>
+        </p:nvSpPr>
+        <p:spPr/>
+        <p:txBody>
+          <a:bodyPr/>
+          <a:lstStyle/>
+          <a:p>
+            <a:r>
+              <a:rPr lang="zh-CN" altLang="en-US" dirty="0" smtClean="0">
+                <a:latin typeface="微软雅黑" pitchFamily="34" charset="-122"/>
+                <a:ea typeface="微软雅黑" pitchFamily="34" charset="-122"/>
+              </a:rPr>
+              <a:t>主要的视图</a:t>
+            </a:r>
+            <a:endParaRPr lang="zh-CN" altLang="en-US" dirty="0">
+              <a:latin typeface="微软雅黑" pitchFamily="34" charset="-122"/>
+              <a:ea typeface="微软雅黑" pitchFamily="34" charset="-122"/>
+            </a:endParaRPr>
+          </a:p>
+        </p:txBody>
+      </p:sp>
+      <p:sp>
+        <p:nvSpPr>
+          <p:cNvPr id="3" name="内容占位符 2"/>
+          <p:cNvSpPr>
+            <a:spLocks noGrp="1"/>
+          </p:cNvSpPr>
+          <p:nvPr>
+            <p:ph idx="1"/>
+          </p:nvPr>
+        </p:nvSpPr>
+        <p:spPr/>
+        <p:txBody>
+          <a:bodyPr/>
+          <a:lstStyle/>
+          <a:p>
+            <a:pPr marL="514350" indent="-514350">
+              <a:buAutoNum type="arabicPeriod"/>
+            </a:pPr>
+            <a:r>
+              <a:rPr lang="zh-CN" altLang="en-US" dirty="0" smtClean="0">
+                <a:latin typeface="微软雅黑" pitchFamily="34" charset="-122"/>
+                <a:ea typeface="微软雅黑" pitchFamily="34" charset="-122"/>
+              </a:rPr>
+              <a:t>图标</a:t>
+            </a:r>
+            <a:endParaRPr lang="en-US" altLang="zh-CN" dirty="0" smtClean="0">
+              <a:latin typeface="微软雅黑" pitchFamily="34" charset="-122"/>
+              <a:ea typeface="微软雅黑" pitchFamily="34" charset="-122"/>
+            </a:endParaRPr>
+          </a:p>
+          <a:p>
+            <a:pPr marL="514350" indent="-514350">
+              <a:buFont typeface="Arial" pitchFamily="34" charset="0"/>
+              <a:buAutoNum type="arabicPeriod"/>
+            </a:pPr>
+            <a:r>
+              <a:rPr lang="zh-CN" altLang="en-US" dirty="0" smtClean="0">
+                <a:latin typeface="微软雅黑" pitchFamily="34" charset="-122"/>
+                <a:ea typeface="微软雅黑" pitchFamily="34" charset="-122"/>
+              </a:rPr>
+              <a:t>登录界面</a:t>
+            </a:r>
+            <a:endParaRPr lang="en-US" altLang="zh-CN" dirty="0" smtClean="0">
+              <a:latin typeface="微软雅黑" pitchFamily="34" charset="-122"/>
+              <a:ea typeface="微软雅黑" pitchFamily="34" charset="-122"/>
+            </a:endParaRPr>
+          </a:p>
+          <a:p>
+            <a:pPr marL="514350" indent="-514350">
+              <a:buAutoNum type="arabicPeriod"/>
+            </a:pPr>
+            <a:r>
+              <a:rPr lang="zh-CN" altLang="en-US" dirty="0" smtClean="0">
+                <a:latin typeface="微软雅黑" pitchFamily="34" charset="-122"/>
+                <a:ea typeface="微软雅黑" pitchFamily="34" charset="-122"/>
+              </a:rPr>
+              <a:t>收藏状态的提示</a:t>
+            </a:r>
+            <a:endParaRPr lang="en-US" altLang="zh-CN" dirty="0" smtClean="0">
+              <a:latin typeface="微软雅黑" pitchFamily="34" charset="-122"/>
+              <a:ea typeface="微软雅黑" pitchFamily="34" charset="-122"/>
+            </a:endParaRPr>
+          </a:p>
+          <a:p>
+            <a:pPr marL="514350" indent="-514350">
+              <a:buAutoNum type="arabicPeriod"/>
+            </a:pPr>
+            <a:r>
+              <a:rPr lang="zh-CN" altLang="en-US" dirty="0" smtClean="0">
+                <a:latin typeface="微软雅黑" pitchFamily="34" charset="-122"/>
+                <a:ea typeface="微软雅黑" pitchFamily="34" charset="-122"/>
+              </a:rPr>
+              <a:t>选项页面的布局</a:t>
+            </a:r>
+            <a:endParaRPr lang="en-US" altLang="zh-CN" dirty="0" smtClean="0">
+              <a:latin typeface="微软雅黑" pitchFamily="34" charset="-122"/>
+              <a:ea typeface="微软雅黑" pitchFamily="34" charset="-122"/>
+            </a:endParaRPr>
+          </a:p>
+        </p:txBody>
+      </p:sp>
+    </p:spTree>
+  </p:cSld>
+  <p:clrMapOvr>
+    <a:masterClrMapping/>
+  </p:clrMapOvr>
+  <p:timing>
+    <p:tnLst>
+      <p:par>
+        <p:cTn id="1" dur="indefinite" restart="never" nodeType="tmRoot"/>
+      </p:par>
+    </p:tnLst>
+  </p:timing>
+</p:sld>
+</file>
+
+<file path=ppt/slides/slide3.xml><?xml version="1.0" encoding="utf-8"?>
+<p:sld xmlns:a="http://schemas.openxmlformats.org/drawingml/2006/main" xmlns:r="http://schemas.openxmlformats.org/officeDocument/2006/relationships" xmlns:p="http://schemas.openxmlformats.org/presentationml/2006/main">
+  <p:cSld>
+    <p:spTree>
+      <p:nvGrpSpPr>
+        <p:cNvPr id="1" name=""/>
+        <p:cNvGrpSpPr/>
+        <p:nvPr/>
+      </p:nvGrpSpPr>
+      <p:grpSpPr>
+        <a:xfrm>
+          <a:off x="0" y="0"/>
+          <a:ext cx="0" cy="0"/>
+          <a:chOff x="0" y="0"/>
+          <a:chExt cx="0" cy="0"/>
+        </a:xfrm>
+      </p:grpSpPr>
+      <p:sp>
+        <p:nvSpPr>
+          <p:cNvPr id="2" name="标题 1"/>
+          <p:cNvSpPr>
+            <a:spLocks noGrp="1"/>
+          </p:cNvSpPr>
+          <p:nvPr>
+            <p:ph type="title"/>
+          </p:nvPr>
+        </p:nvSpPr>
+        <p:spPr/>
+        <p:txBody>
+          <a:bodyPr/>
+          <a:lstStyle/>
+          <a:p>
+            <a:r>
+              <a:rPr lang="zh-CN" altLang="en-US" dirty="0" smtClean="0">
+                <a:latin typeface="微软雅黑" pitchFamily="34" charset="-122"/>
+                <a:ea typeface="微软雅黑" pitchFamily="34" charset="-122"/>
+              </a:rPr>
+              <a:t>图标的比对</a:t>
+            </a:r>
+            <a:endParaRPr lang="zh-CN" altLang="en-US" dirty="0">
+              <a:latin typeface="微软雅黑" pitchFamily="34" charset="-122"/>
+              <a:ea typeface="微软雅黑" pitchFamily="34" charset="-122"/>
+            </a:endParaRPr>
+          </a:p>
+        </p:txBody>
+      </p:sp>
+      <p:pic>
+        <p:nvPicPr>
+          <p:cNvPr id="8195" name="Picture 3"/>
+          <p:cNvPicPr>
+            <a:picLocks noGrp="1" noChangeAspect="1" noChangeArrowheads="1"/>
+          </p:cNvPicPr>
+          <p:nvPr>
+            <p:ph idx="1"/>
+          </p:nvPr>
+        </p:nvPicPr>
+        <p:blipFill>
+          <a:blip r:embed="rId2" cstate="print"/>
+          <a:srcRect/>
+          <a:stretch>
+            <a:fillRect/>
+          </a:stretch>
+        </p:blipFill>
+        <p:spPr bwMode="auto">
+          <a:xfrm>
+            <a:off x="1142977" y="2214555"/>
+            <a:ext cx="1866318" cy="1571636"/>
+          </a:xfrm>
+          <a:prstGeom prst="rect">
+            <a:avLst/>
+          </a:prstGeom>
+          <a:ln w="38100" cap="sq">
+            <a:solidFill>
+              <a:srgbClr val="000000"/>
+            </a:solidFill>
+            <a:prstDash val="solid"/>
+            <a:miter lim="800000"/>
+          </a:ln>
+          <a:effectLst>
+            <a:outerShdw blurRad="50800" dist="38100" dir="2700000" algn="tl" rotWithShape="0">
+              <a:srgbClr val="000000">
+                <a:alpha val="43000"/>
+              </a:srgbClr>
+            </a:outerShdw>
+          </a:effectLst>
+        </p:spPr>
+      </p:pic>
+      <p:pic>
+        <p:nvPicPr>
+          <p:cNvPr id="8196" name="Picture 4"/>
+          <p:cNvPicPr>
+            <a:picLocks noChangeAspect="1" noChangeArrowheads="1"/>
+          </p:cNvPicPr>
+          <p:nvPr/>
+        </p:nvPicPr>
+        <p:blipFill>
+          <a:blip r:embed="rId3" cstate="print"/>
+          <a:srcRect/>
+          <a:stretch>
+            <a:fillRect/>
+          </a:stretch>
+        </p:blipFill>
+        <p:spPr bwMode="auto">
+          <a:xfrm>
+            <a:off x="3571868" y="2214554"/>
+            <a:ext cx="4714908" cy="1571636"/>
+          </a:xfrm>
+          <a:prstGeom prst="rect">
+            <a:avLst/>
+          </a:prstGeom>
+          <a:ln w="38100" cap="sq">
+            <a:solidFill>
+              <a:srgbClr val="000000"/>
+            </a:solidFill>
+            <a:prstDash val="solid"/>
+            <a:miter lim="800000"/>
+          </a:ln>
+          <a:effectLst>
+            <a:outerShdw blurRad="50800" dist="38100" dir="2700000" algn="tl" rotWithShape="0">
+              <a:srgbClr val="000000">
+                <a:alpha val="43000"/>
+              </a:srgbClr>
+            </a:outerShdw>
+          </a:effectLst>
+        </p:spPr>
+      </p:pic>
+      <p:sp>
+        <p:nvSpPr>
+          <p:cNvPr id="7" name="TextBox 6"/>
+          <p:cNvSpPr txBox="1"/>
+          <p:nvPr/>
+        </p:nvSpPr>
+        <p:spPr>
+          <a:xfrm>
+            <a:off x="571473" y="4643446"/>
+            <a:ext cx="8215370" cy="1384995"/>
+          </a:xfrm>
+          <a:prstGeom prst="rect">
+            <a:avLst/>
+          </a:prstGeom>
+          <a:solidFill>
+            <a:srgbClr val="68AA35">
+              <a:alpha val="65098"/>
+            </a:srgbClr>
+          </a:solidFill>
+          <a:ln>
+            <a:noFill/>
+          </a:ln>
+        </p:spPr>
+        <p:style>
+          <a:lnRef idx="1">
+            <a:schemeClr val="accent3"/>
+          </a:lnRef>
+          <a:fillRef idx="3">
+            <a:schemeClr val="accent3"/>
+          </a:fillRef>
+          <a:effectRef idx="2">
+            <a:schemeClr val="accent3"/>
+          </a:effectRef>
+          <a:fontRef idx="minor">
+            <a:schemeClr val="lt1"/>
+          </a:fontRef>
+        </p:style>
+        <p:txBody>
+          <a:bodyPr wrap="square" lIns="180000" rIns="180000" rtlCol="0" anchor="t" anchorCtr="0">
+            <a:spAutoFit/>
+          </a:bodyPr>
+          <a:lstStyle/>
+          <a:p>
+            <a:r>
+              <a:rPr lang="en-US" altLang="zh-CN" sz="2800" dirty="0">
+                <a:solidFill>
+                  <a:schemeClr val="bg1"/>
+                </a:solidFill>
+                <a:effectLst/>
+                <a:latin typeface="微软雅黑" pitchFamily="34" charset="-122"/>
+                <a:ea typeface="微软雅黑" pitchFamily="34" charset="-122"/>
+              </a:rPr>
+              <a:t>Evernote</a:t>
+            </a:r>
+            <a:r>
+              <a:rPr lang="zh-CN" altLang="en-US" sz="2800" dirty="0">
+                <a:solidFill>
+                  <a:schemeClr val="bg1"/>
+                </a:solidFill>
+                <a:effectLst/>
+                <a:latin typeface="微软雅黑" pitchFamily="34" charset="-122"/>
+                <a:ea typeface="微软雅黑" pitchFamily="34" charset="-122"/>
+              </a:rPr>
+              <a:t>在进行数据同步的时候，其右下角会显示正在同步的页面的个数</a:t>
+            </a:r>
+            <a:r>
+              <a:rPr lang="zh-CN" altLang="en-US" sz="2800" dirty="0" smtClean="0">
+                <a:solidFill>
+                  <a:schemeClr val="bg1"/>
+                </a:solidFill>
+                <a:effectLst/>
+                <a:latin typeface="微软雅黑" pitchFamily="34" charset="-122"/>
+                <a:ea typeface="微软雅黑" pitchFamily="34" charset="-122"/>
+              </a:rPr>
+              <a:t>。但是</a:t>
+            </a:r>
+            <a:r>
+              <a:rPr lang="zh-CN" altLang="en-US" sz="2800" dirty="0">
+                <a:solidFill>
+                  <a:schemeClr val="bg1"/>
+                </a:solidFill>
+                <a:effectLst/>
+                <a:latin typeface="微软雅黑" pitchFamily="34" charset="-122"/>
+                <a:ea typeface="微软雅黑" pitchFamily="34" charset="-122"/>
+              </a:rPr>
+              <a:t>两者的图标采用灰色，有一种被禁用了的感觉</a:t>
+            </a:r>
+            <a:r>
+              <a:rPr lang="en-US" altLang="zh-CN" sz="2800" dirty="0">
+                <a:solidFill>
+                  <a:schemeClr val="bg1"/>
+                </a:solidFill>
+                <a:effectLst/>
+                <a:latin typeface="微软雅黑" pitchFamily="34" charset="-122"/>
+                <a:ea typeface="微软雅黑" pitchFamily="34" charset="-122"/>
+              </a:rPr>
+              <a:t>…</a:t>
+            </a:r>
+          </a:p>
+        </p:txBody>
+      </p:sp>
+    </p:spTree>
+  </p:cSld>
+  <p:clrMapOvr>
+    <a:masterClrMapping/>
+  </p:clrMapOvr>
+  <p:timing>
+    <p:tnLst>
+      <p:par>
+        <p:cTn id="1" dur="indefinite" restart="never" nodeType="tmRoot"/>
+      </p:par>
+    </p:tnLst>
+  </p:timing>
+</p:sld>
+</file>
+
+<file path=ppt/slides/slide4.xml><?xml version="1.0" encoding="utf-8"?>
 <p:sld xmlns:a="http://schemas.openxmlformats.org/drawingml/2006/main" xmlns:r="http://schemas.openxmlformats.org/officeDocument/2006/relationships" xmlns:p="http://schemas.openxmlformats.org/presentationml/2006/main">
   <p:cSld>
     <p:spTree>
@@ -3378,7 +4014,17 @@
           <a:p>
             <a:pPr algn="ctr"/>
             <a:r>
-              <a:rPr lang="zh-CN" altLang="en-US" sz="2800" dirty="0" err="1">
+              <a:rPr lang="zh-CN" altLang="en-US" sz="2800" dirty="0" smtClean="0">
+                <a:solidFill>
+                  <a:schemeClr val="bg1"/>
+                </a:solidFill>
+                <a:latin typeface="微软雅黑" pitchFamily="34" charset="-122"/>
+                <a:ea typeface="微软雅黑" pitchFamily="34" charset="-122"/>
+              </a:rPr>
+              <a:t>登录</a:t>
+            </a:r>
+            <a:r>
+              <a:rPr lang="zh-CN" altLang="en-US" sz="2800" dirty="0" smtClean="0">
                 <a:solidFill>
                   <a:schemeClr val="bg1"/>
                 </a:solidFill>
@@ -3386,10 +4032,10 @@
                 <a:latin typeface="微软雅黑" pitchFamily="34" charset="-122"/>
                 <a:ea typeface="微软雅黑" pitchFamily="34" charset="-122"/>
               </a:rPr>
-              <a:t>登陆界面 采用</a:t>
-            </a:r>
-            <a:r>
-              <a:rPr lang="en-US" altLang="zh-CN" sz="2800" dirty="0" err="1">
+              <a:t>界面 采用</a:t>
+            </a:r>
+            <a:r>
+              <a:rPr lang="en-US" altLang="zh-CN" sz="2800" dirty="0" smtClean="0">
                 <a:solidFill>
                   <a:schemeClr val="bg1"/>
                 </a:solidFill>
@@ -3400,7 +4046,7 @@
               <a:t>popup</a:t>
             </a:r>
             <a:r>
-              <a:rPr lang="zh-CN" altLang="en-US" sz="2800" dirty="0" err="1">
+              <a:rPr lang="zh-CN" altLang="en-US" sz="2800" dirty="0" smtClean="0">
                 <a:solidFill>
                   <a:schemeClr val="bg1"/>
                 </a:solidFill>
@@ -3410,7 +4056,7 @@
               </a:rPr>
               <a:t>形式</a:t>
             </a:r>
-            <a:endParaRPr lang="en-US" altLang="zh-CN" sz="2800" dirty="0" err="1">
+            <a:endParaRPr lang="en-US" altLang="zh-CN" sz="2800" dirty="0">
               <a:solidFill>
                 <a:schemeClr val="bg1"/>
               </a:solidFill>
@@ -3418,329 +4064,6 @@
               <a:latin typeface="微软雅黑" pitchFamily="34" charset="-122"/>
               <a:ea typeface="微软雅黑" pitchFamily="34" charset="-122"/>
             </a:endParaRPr>
-          </a:p>
-        </p:txBody>
-      </p:sp>
-    </p:spTree>
-  </p:cSld>
-  <p:clrMapOvr>
-    <a:masterClrMapping/>
-  </p:clrMapOvr>
-  <p:timing>
-    <p:tnLst>
-      <p:par>
-        <p:cTn id="1" dur="indefinite" restart="never" nodeType="tmRoot"/>
-      </p:par>
-    </p:tnLst>
-  </p:timing>
-</p:sld>
-</file>
-
-<file path=ppt/slides/slide3.xml><?xml version="1.0" encoding="utf-8"?>
-<p:sld xmlns:a="http://schemas.openxmlformats.org/drawingml/2006/main" xmlns:r="http://schemas.openxmlformats.org/officeDocument/2006/relationships" xmlns:p="http://schemas.openxmlformats.org/presentationml/2006/main">
-  <p:cSld>
-    <p:spTree>
-      <p:nvGrpSpPr>
-        <p:cNvPr id="1" name=""/>
-        <p:cNvGrpSpPr/>
-        <p:nvPr/>
-      </p:nvGrpSpPr>
-      <p:grpSpPr>
-        <a:xfrm>
-          <a:off x="0" y="0"/>
-          <a:ext cx="0" cy="0"/>
-          <a:chOff x="0" y="0"/>
-          <a:chExt cx="0" cy="0"/>
-        </a:xfrm>
-      </p:grpSpPr>
-      <p:pic>
-        <p:nvPicPr>
-          <p:cNvPr id="2050" name="Picture 2"/>
-          <p:cNvPicPr>
-            <a:picLocks noGrp="1" noChangeAspect="1" noChangeArrowheads="1"/>
-          </p:cNvPicPr>
-          <p:nvPr>
-            <p:ph idx="1"/>
-          </p:nvPr>
-        </p:nvPicPr>
-        <p:blipFill>
-          <a:blip r:embed="rId2" cstate="print"/>
-          <a:srcRect/>
-          <a:stretch>
-            <a:fillRect/>
-          </a:stretch>
-        </p:blipFill>
-        <p:spPr bwMode="auto">
-          <a:xfrm>
-            <a:off x="571472" y="428604"/>
-            <a:ext cx="7094374" cy="4429156"/>
-          </a:xfrm>
-          <a:prstGeom prst="rect">
-            <a:avLst/>
-          </a:prstGeom>
-          <a:ln w="38100" cap="sq">
-            <a:solidFill>
-              <a:srgbClr val="000000"/>
-            </a:solidFill>
-            <a:prstDash val="solid"/>
-            <a:miter lim="800000"/>
-          </a:ln>
-          <a:effectLst>
-            <a:outerShdw blurRad="50800" dist="38100" dir="2700000" algn="tl" rotWithShape="0">
-              <a:srgbClr val="000000">
-                <a:alpha val="43000"/>
-              </a:srgbClr>
-            </a:outerShdw>
-          </a:effectLst>
-        </p:spPr>
-      </p:pic>
-      <p:sp>
-        <p:nvSpPr>
-          <p:cNvPr id="5" name="TextBox 4"/>
-          <p:cNvSpPr txBox="1"/>
-          <p:nvPr/>
-        </p:nvSpPr>
-        <p:spPr>
-          <a:xfrm>
-            <a:off x="642910" y="5286388"/>
-            <a:ext cx="7358114" cy="954107"/>
-          </a:xfrm>
-          <a:prstGeom prst="rect">
-            <a:avLst/>
-          </a:prstGeom>
-          <a:solidFill>
-            <a:srgbClr val="68AA35">
-              <a:alpha val="65098"/>
-            </a:srgbClr>
-          </a:solidFill>
-          <a:ln>
-            <a:noFill/>
-          </a:ln>
-        </p:spPr>
-        <p:style>
-          <a:lnRef idx="1">
-            <a:schemeClr val="accent3"/>
-          </a:lnRef>
-          <a:fillRef idx="3">
-            <a:schemeClr val="accent3"/>
-          </a:fillRef>
-          <a:effectRef idx="2">
-            <a:schemeClr val="accent3"/>
-          </a:effectRef>
-          <a:fontRef idx="minor">
-            <a:schemeClr val="lt1"/>
-          </a:fontRef>
-        </p:style>
-        <p:txBody>
-          <a:bodyPr wrap="square" lIns="180000" rIns="180000" rtlCol="0" anchor="t" anchorCtr="0">
-            <a:spAutoFit/>
-          </a:bodyPr>
-          <a:lstStyle/>
-          <a:p>
-            <a:r>
-              <a:rPr lang="zh-CN" altLang="en-US" sz="2800" dirty="0" err="1">
-                <a:solidFill>
-                  <a:schemeClr val="bg1"/>
-                </a:solidFill>
-                <a:effectLst/>
-                <a:latin typeface="微软雅黑" pitchFamily="34" charset="-122"/>
-                <a:ea typeface="微软雅黑" pitchFamily="34" charset="-122"/>
-              </a:rPr>
-              <a:t>登录后 </a:t>
-            </a:r>
-            <a:r>
-              <a:rPr lang="en-US" altLang="zh-CN" sz="2800" dirty="0" err="1">
-                <a:solidFill>
-                  <a:schemeClr val="bg1"/>
-                </a:solidFill>
-                <a:effectLst/>
-                <a:latin typeface="微软雅黑" pitchFamily="34" charset="-122"/>
-                <a:ea typeface="微软雅黑" pitchFamily="34" charset="-122"/>
-              </a:rPr>
-              <a:t>evernote</a:t>
-            </a:r>
-            <a:r>
-              <a:rPr lang="zh-CN" altLang="en-US" sz="2800" dirty="0" err="1">
-                <a:solidFill>
-                  <a:schemeClr val="bg1"/>
-                </a:solidFill>
-                <a:effectLst/>
-                <a:latin typeface="微软雅黑" pitchFamily="34" charset="-122"/>
-                <a:ea typeface="微软雅黑" pitchFamily="34" charset="-122"/>
-              </a:rPr>
-              <a:t>后显示的界面，其中的笔记分类与美味书签的选集有相似之处</a:t>
-            </a:r>
-            <a:r>
-              <a:rPr lang="en-US" altLang="zh-CN" sz="2800" dirty="0" err="1">
-                <a:solidFill>
-                  <a:schemeClr val="bg1"/>
-                </a:solidFill>
-                <a:effectLst/>
-                <a:latin typeface="微软雅黑" pitchFamily="34" charset="-122"/>
-                <a:ea typeface="微软雅黑" pitchFamily="34" charset="-122"/>
-              </a:rPr>
-              <a:t> </a:t>
-            </a:r>
-            <a:endParaRPr lang="zh-CN" altLang="en-US" sz="2800" dirty="0" err="1">
-              <a:solidFill>
-                <a:schemeClr val="bg1"/>
-              </a:solidFill>
-              <a:effectLst/>
-              <a:latin typeface="微软雅黑" pitchFamily="34" charset="-122"/>
-              <a:ea typeface="微软雅黑" pitchFamily="34" charset="-122"/>
-            </a:endParaRPr>
-          </a:p>
-        </p:txBody>
-      </p:sp>
-    </p:spTree>
-  </p:cSld>
-  <p:clrMapOvr>
-    <a:masterClrMapping/>
-  </p:clrMapOvr>
-  <p:timing>
-    <p:tnLst>
-      <p:par>
-        <p:cTn id="1" dur="indefinite" restart="never" nodeType="tmRoot"/>
-      </p:par>
-    </p:tnLst>
-  </p:timing>
-</p:sld>
-</file>
-
-<file path=ppt/slides/slide4.xml><?xml version="1.0" encoding="utf-8"?>
-<p:sld xmlns:a="http://schemas.openxmlformats.org/drawingml/2006/main" xmlns:r="http://schemas.openxmlformats.org/officeDocument/2006/relationships" xmlns:p="http://schemas.openxmlformats.org/presentationml/2006/main">
-  <p:cSld>
-    <p:spTree>
-      <p:nvGrpSpPr>
-        <p:cNvPr id="1" name=""/>
-        <p:cNvGrpSpPr/>
-        <p:nvPr/>
-      </p:nvGrpSpPr>
-      <p:grpSpPr>
-        <a:xfrm>
-          <a:off x="0" y="0"/>
-          <a:ext cx="0" cy="0"/>
-          <a:chOff x="0" y="0"/>
-          <a:chExt cx="0" cy="0"/>
-        </a:xfrm>
-      </p:grpSpPr>
-      <p:pic>
-        <p:nvPicPr>
-          <p:cNvPr id="3075" name="Picture 3"/>
-          <p:cNvPicPr>
-            <a:picLocks noGrp="1" noChangeAspect="1" noChangeArrowheads="1"/>
-          </p:cNvPicPr>
-          <p:nvPr>
-            <p:ph idx="1"/>
-          </p:nvPr>
-        </p:nvPicPr>
-        <p:blipFill>
-          <a:blip r:embed="rId2" cstate="print"/>
-          <a:srcRect/>
-          <a:stretch>
-            <a:fillRect/>
-          </a:stretch>
-        </p:blipFill>
-        <p:spPr bwMode="auto">
-          <a:xfrm>
-            <a:off x="500034" y="500042"/>
-            <a:ext cx="7880471" cy="4143404"/>
-          </a:xfrm>
-          <a:prstGeom prst="rect">
-            <a:avLst/>
-          </a:prstGeom>
-          <a:ln w="38100" cap="sq">
-            <a:solidFill>
-              <a:srgbClr val="000000"/>
-            </a:solidFill>
-            <a:prstDash val="solid"/>
-            <a:miter lim="800000"/>
-          </a:ln>
-          <a:effectLst>
-            <a:outerShdw blurRad="50800" dist="38100" dir="2700000" algn="tl" rotWithShape="0">
-              <a:srgbClr val="000000">
-                <a:alpha val="43000"/>
-              </a:srgbClr>
-            </a:outerShdw>
-          </a:effectLst>
-        </p:spPr>
-      </p:pic>
-      <p:sp>
-        <p:nvSpPr>
-          <p:cNvPr id="6" name="TextBox 5"/>
-          <p:cNvSpPr txBox="1"/>
-          <p:nvPr/>
-        </p:nvSpPr>
-        <p:spPr>
-          <a:xfrm>
-            <a:off x="500034" y="5429264"/>
-            <a:ext cx="7858180" cy="954107"/>
-          </a:xfrm>
-          <a:prstGeom prst="rect">
-            <a:avLst/>
-          </a:prstGeom>
-          <a:solidFill>
-            <a:srgbClr val="68AA35">
-              <a:alpha val="65098"/>
-            </a:srgbClr>
-          </a:solidFill>
-          <a:ln>
-            <a:noFill/>
-          </a:ln>
-        </p:spPr>
-        <p:style>
-          <a:lnRef idx="1">
-            <a:schemeClr val="accent3"/>
-          </a:lnRef>
-          <a:fillRef idx="3">
-            <a:schemeClr val="accent3"/>
-          </a:fillRef>
-          <a:effectRef idx="2">
-            <a:schemeClr val="accent3"/>
-          </a:effectRef>
-          <a:fontRef idx="minor">
-            <a:schemeClr val="lt1"/>
-          </a:fontRef>
-        </p:style>
-        <p:txBody>
-          <a:bodyPr wrap="square" lIns="180000" rIns="180000" rtlCol="0" anchor="t" anchorCtr="0">
-            <a:spAutoFit/>
-          </a:bodyPr>
-          <a:lstStyle/>
-          <a:p>
-            <a:r>
-              <a:rPr lang="zh-CN" altLang="en-US" sz="2800" dirty="0" err="1">
-                <a:solidFill>
-                  <a:schemeClr val="bg1"/>
-                </a:solidFill>
-                <a:effectLst/>
-                <a:latin typeface="微软雅黑" pitchFamily="34" charset="-122"/>
-                <a:ea typeface="微软雅黑" pitchFamily="34" charset="-122"/>
-              </a:rPr>
-              <a:t>剪辑成功后采用了这种</a:t>
-            </a:r>
-            <a:r>
-              <a:rPr lang="en-US" altLang="zh-CN" sz="2800" dirty="0" err="1">
-                <a:solidFill>
-                  <a:schemeClr val="bg1"/>
-                </a:solidFill>
-                <a:effectLst/>
-                <a:latin typeface="微软雅黑" pitchFamily="34" charset="-122"/>
-                <a:ea typeface="微软雅黑" pitchFamily="34" charset="-122"/>
-              </a:rPr>
-              <a:t>chrome</a:t>
-            </a:r>
-            <a:r>
-              <a:rPr lang="zh-CN" altLang="en-US" sz="2800" dirty="0" err="1">
-                <a:solidFill>
-                  <a:schemeClr val="bg1"/>
-                </a:solidFill>
-                <a:effectLst/>
-                <a:latin typeface="微软雅黑" pitchFamily="34" charset="-122"/>
-                <a:ea typeface="微软雅黑" pitchFamily="34" charset="-122"/>
-              </a:rPr>
-              <a:t>采用的桌面提醒功能</a:t>
-            </a:r>
           </a:p>
         </p:txBody>
       </p:sp>
@@ -3778,7 +4101,200 @@
       </p:grpSpPr>
       <p:pic>
         <p:nvPicPr>
-          <p:cNvPr id="4098" name="Picture 2"/>
+          <p:cNvPr id="2050" name="Picture 2"/>
+          <p:cNvPicPr>
+            <a:picLocks noGrp="1" noChangeAspect="1" noChangeArrowheads="1"/>
+          </p:cNvPicPr>
+          <p:nvPr>
+            <p:ph idx="1"/>
+          </p:nvPr>
+        </p:nvPicPr>
+        <p:blipFill>
+          <a:blip r:embed="rId2" cstate="print"/>
+          <a:srcRect/>
+          <a:stretch>
+            <a:fillRect/>
+          </a:stretch>
+        </p:blipFill>
+        <p:spPr bwMode="auto">
+          <a:xfrm>
+            <a:off x="571472" y="428604"/>
+            <a:ext cx="7094374" cy="4429156"/>
+          </a:xfrm>
+          <a:prstGeom prst="rect">
+            <a:avLst/>
+          </a:prstGeom>
+          <a:ln w="38100" cap="sq">
+            <a:solidFill>
+              <a:srgbClr val="000000"/>
+            </a:solidFill>
+            <a:prstDash val="solid"/>
+            <a:miter lim="800000"/>
+          </a:ln>
+          <a:effectLst>
+            <a:outerShdw blurRad="50800" dist="38100" dir="2700000" algn="tl" rotWithShape="0">
+              <a:srgbClr val="000000">
+                <a:alpha val="43000"/>
+              </a:srgbClr>
+            </a:outerShdw>
+          </a:effectLst>
+        </p:spPr>
+      </p:pic>
+      <p:sp>
+        <p:nvSpPr>
+          <p:cNvPr id="5" name="TextBox 4"/>
+          <p:cNvSpPr txBox="1"/>
+          <p:nvPr/>
+        </p:nvSpPr>
+        <p:spPr>
+          <a:xfrm>
+            <a:off x="642910" y="5286388"/>
+            <a:ext cx="7358114" cy="954107"/>
+          </a:xfrm>
+          <a:prstGeom prst="rect">
+            <a:avLst/>
+          </a:prstGeom>
+          <a:solidFill>
+            <a:srgbClr val="68AA35">
+              <a:alpha val="65098"/>
+            </a:srgbClr>
+          </a:solidFill>
+          <a:ln>
+            <a:noFill/>
+          </a:ln>
+        </p:spPr>
+        <p:style>
+          <a:lnRef idx="1">
+            <a:schemeClr val="accent3"/>
+          </a:lnRef>
+          <a:fillRef idx="3">
+            <a:schemeClr val="accent3"/>
+          </a:fillRef>
+          <a:effectRef idx="2">
+            <a:schemeClr val="accent3"/>
+          </a:effectRef>
+          <a:fontRef idx="minor">
+            <a:schemeClr val="lt1"/>
+          </a:fontRef>
+        </p:style>
+        <p:txBody>
+          <a:bodyPr wrap="square" lIns="180000" rIns="180000" rtlCol="0" anchor="t" anchorCtr="0">
+            <a:spAutoFit/>
+          </a:bodyPr>
+          <a:lstStyle/>
+          <a:p>
+            <a:r>
+              <a:rPr lang="zh-CN" altLang="en-US" sz="2800" dirty="0" smtClean="0">
+                <a:solidFill>
+                  <a:schemeClr val="bg1"/>
+                </a:solidFill>
+                <a:effectLst/>
+                <a:latin typeface="微软雅黑" pitchFamily="34" charset="-122"/>
+                <a:ea typeface="微软雅黑" pitchFamily="34" charset="-122"/>
+              </a:rPr>
+              <a:t>登录后 </a:t>
+            </a:r>
+            <a:r>
+              <a:rPr lang="en-US" altLang="zh-CN" sz="2800" dirty="0">
+                <a:solidFill>
+                  <a:schemeClr val="bg1"/>
+                </a:solidFill>
+                <a:effectLst/>
+                <a:latin typeface="微软雅黑" pitchFamily="34" charset="-122"/>
+                <a:ea typeface="微软雅黑" pitchFamily="34" charset="-122"/>
+              </a:rPr>
+              <a:t>evernote</a:t>
+            </a:r>
+            <a:r>
+              <a:rPr lang="zh-CN" altLang="en-US" sz="2800" dirty="0">
+                <a:solidFill>
+                  <a:schemeClr val="bg1"/>
+                </a:solidFill>
+                <a:effectLst/>
+                <a:latin typeface="微软雅黑" pitchFamily="34" charset="-122"/>
+                <a:ea typeface="微软雅黑" pitchFamily="34" charset="-122"/>
+              </a:rPr>
+              <a:t>后显示的界面，其中的笔记分类与</a:t>
+            </a:r>
+            <a:r>
+              <a:rPr lang="zh-CN" altLang="en-US" sz="2800" dirty="0" smtClean="0">
+                <a:solidFill>
+                  <a:schemeClr val="bg1"/>
+                </a:solidFill>
+                <a:effectLst/>
+                <a:latin typeface="微软雅黑" pitchFamily="34" charset="-122"/>
+                <a:ea typeface="微软雅黑" pitchFamily="34" charset="-122"/>
+              </a:rPr>
+              <a:t>美味书签</a:t>
+            </a:r>
+            <a:r>
+              <a:rPr lang="zh-CN" altLang="en-US" sz="2800" dirty="0">
+                <a:solidFill>
+                  <a:schemeClr val="bg1"/>
+                </a:solidFill>
+                <a:effectLst/>
+                <a:latin typeface="微软雅黑" pitchFamily="34" charset="-122"/>
+                <a:ea typeface="微软雅黑" pitchFamily="34" charset="-122"/>
+              </a:rPr>
+              <a:t>的选集有相似之处</a:t>
+            </a:r>
+            <a:r>
+              <a:rPr lang="en-US" altLang="zh-CN" sz="2800" dirty="0">
+                <a:solidFill>
+                  <a:schemeClr val="bg1"/>
+                </a:solidFill>
+                <a:effectLst/>
+                <a:latin typeface="微软雅黑" pitchFamily="34" charset="-122"/>
+                <a:ea typeface="微软雅黑" pitchFamily="34" charset="-122"/>
+              </a:rPr>
+              <a:t> </a:t>
+            </a:r>
+            <a:endParaRPr lang="zh-CN" altLang="en-US" sz="2800" dirty="0" err="1">
+              <a:solidFill>
+                <a:schemeClr val="bg1"/>
+              </a:solidFill>
+              <a:effectLst/>
+              <a:latin typeface="微软雅黑" pitchFamily="34" charset="-122"/>
+              <a:ea typeface="微软雅黑" pitchFamily="34" charset="-122"/>
+            </a:endParaRPr>
+          </a:p>
+        </p:txBody>
+      </p:sp>
+    </p:spTree>
+  </p:cSld>
+  <p:clrMapOvr>
+    <a:masterClrMapping/>
+  </p:clrMapOvr>
+  <p:timing>
+    <p:tnLst>
+      <p:par>
+        <p:cTn id="1" dur="indefinite" restart="never" nodeType="tmRoot"/>
+      </p:par>
+    </p:tnLst>
+  </p:timing>
+</p:sld>
+</file>
+
+<file path=ppt/slides/slide6.xml><?xml version="1.0" encoding="utf-8"?>
+<p:sld xmlns:a="http://schemas.openxmlformats.org/drawingml/2006/main" xmlns:r="http://schemas.openxmlformats.org/officeDocument/2006/relationships" xmlns:p="http://schemas.openxmlformats.org/presentationml/2006/main">
+  <p:cSld>
+    <p:spTree>
+      <p:nvGrpSpPr>
+        <p:cNvPr id="1" name=""/>
+        <p:cNvGrpSpPr/>
+        <p:nvPr/>
+      </p:nvGrpSpPr>
+      <p:grpSpPr>
+        <a:xfrm>
+          <a:off x="0" y="0"/>
+          <a:ext cx="0" cy="0"/>
+          <a:chOff x="0" y="0"/>
+          <a:chExt cx="0" cy="0"/>
+        </a:xfrm>
+      </p:grpSpPr>
+      <p:pic>
+        <p:nvPicPr>
+          <p:cNvPr id="3075" name="Picture 3"/>
           <p:cNvPicPr>
             <a:picLocks noGrp="1" noChangeAspect="1" noChangeArrowheads="1"/>
           </p:cNvPicPr>
@@ -3796,7 +4312,159 @@
         <p:spPr bwMode="auto">
           <a:xfrm>
             <a:off x="500034" y="500042"/>
-            <a:ext cx="7571247" cy="4525963"/>
+            <a:ext cx="7880471" cy="4143404"/>
+          </a:xfrm>
+          <a:prstGeom prst="rect">
+            <a:avLst/>
+          </a:prstGeom>
+          <a:ln w="38100" cap="sq">
+            <a:solidFill>
+              <a:srgbClr val="000000"/>
+            </a:solidFill>
+            <a:prstDash val="solid"/>
+            <a:miter lim="800000"/>
+          </a:ln>
+          <a:effectLst>
+            <a:outerShdw blurRad="50800" dist="38100" dir="2700000" algn="tl" rotWithShape="0">
+              <a:srgbClr val="000000">
+                <a:alpha val="43000"/>
+              </a:srgbClr>
+            </a:outerShdw>
+          </a:effectLst>
+        </p:spPr>
+      </p:pic>
+      <p:sp>
+        <p:nvSpPr>
+          <p:cNvPr id="6" name="TextBox 5"/>
+          <p:cNvSpPr txBox="1"/>
+          <p:nvPr/>
+        </p:nvSpPr>
+        <p:spPr>
+          <a:xfrm>
+            <a:off x="500034" y="5429264"/>
+            <a:ext cx="7858180" cy="954107"/>
+          </a:xfrm>
+          <a:prstGeom prst="rect">
+            <a:avLst/>
+          </a:prstGeom>
+          <a:solidFill>
+            <a:srgbClr val="68AA35">
+              <a:alpha val="65098"/>
+            </a:srgbClr>
+          </a:solidFill>
+          <a:ln>
+            <a:noFill/>
+          </a:ln>
+        </p:spPr>
+        <p:style>
+          <a:lnRef idx="1">
+            <a:schemeClr val="accent3"/>
+          </a:lnRef>
+          <a:fillRef idx="3">
+            <a:schemeClr val="accent3"/>
+          </a:fillRef>
+          <a:effectRef idx="2">
+            <a:schemeClr val="accent3"/>
+          </a:effectRef>
+          <a:fontRef idx="minor">
+            <a:schemeClr val="lt1"/>
+          </a:fontRef>
+        </p:style>
+        <p:txBody>
+          <a:bodyPr wrap="square" lIns="180000" rIns="180000" rtlCol="0" anchor="t" anchorCtr="0">
+            <a:spAutoFit/>
+          </a:bodyPr>
+          <a:lstStyle/>
+          <a:p>
+            <a:r>
+              <a:rPr lang="zh-CN" altLang="en-US" sz="2800" dirty="0" err="1">
+                <a:solidFill>
+                  <a:schemeClr val="bg1"/>
+                </a:solidFill>
+                <a:effectLst/>
+                <a:latin typeface="微软雅黑" pitchFamily="34" charset="-122"/>
+                <a:ea typeface="微软雅黑" pitchFamily="34" charset="-122"/>
+              </a:rPr>
+              <a:t>剪辑成功后采用了这种</a:t>
+            </a:r>
+            <a:r>
+              <a:rPr lang="en-US" altLang="zh-CN" sz="2800" dirty="0">
+                <a:solidFill>
+                  <a:schemeClr val="bg1"/>
+                </a:solidFill>
+                <a:effectLst/>
+                <a:latin typeface="微软雅黑" pitchFamily="34" charset="-122"/>
+                <a:ea typeface="微软雅黑" pitchFamily="34" charset="-122"/>
+              </a:rPr>
+              <a:t>chrome</a:t>
+            </a:r>
+            <a:r>
+              <a:rPr lang="zh-CN" altLang="en-US" sz="2800" dirty="0" err="1">
+                <a:solidFill>
+                  <a:schemeClr val="bg1"/>
+                </a:solidFill>
+                <a:effectLst/>
+                <a:latin typeface="微软雅黑" pitchFamily="34" charset="-122"/>
+                <a:ea typeface="微软雅黑" pitchFamily="34" charset="-122"/>
+              </a:rPr>
+              <a:t>采用的桌面提醒功能</a:t>
+            </a:r>
+          </a:p>
+        </p:txBody>
+      </p:sp>
+    </p:spTree>
+  </p:cSld>
+  <p:clrMapOvr>
+    <a:masterClrMapping/>
+  </p:clrMapOvr>
+  <p:timing>
+    <p:tnLst>
+      <p:par>
+        <p:cTn id="1" dur="indefinite" restart="never" nodeType="tmRoot"/>
+      </p:par>
+    </p:tnLst>
+  </p:timing>
+</p:sld>
+</file>
+
+<file path=ppt/slides/slide7.xml><?xml version="1.0" encoding="utf-8"?>
+<p:sld xmlns:a="http://schemas.openxmlformats.org/drawingml/2006/main" xmlns:r="http://schemas.openxmlformats.org/officeDocument/2006/relationships" xmlns:p="http://schemas.openxmlformats.org/presentationml/2006/main">
+  <p:cSld>
+    <p:spTree>
+      <p:nvGrpSpPr>
+        <p:cNvPr id="1" name=""/>
+        <p:cNvGrpSpPr/>
+        <p:nvPr/>
+      </p:nvGrpSpPr>
+      <p:grpSpPr>
+        <a:xfrm>
+          <a:off x="0" y="0"/>
+          <a:ext cx="0" cy="0"/>
+          <a:chOff x="0" y="0"/>
+          <a:chExt cx="0" cy="0"/>
+        </a:xfrm>
+      </p:grpSpPr>
+      <p:pic>
+        <p:nvPicPr>
+          <p:cNvPr id="4098" name="Picture 2"/>
+          <p:cNvPicPr>
+            <a:picLocks noGrp="1" noChangeAspect="1" noChangeArrowheads="1"/>
+          </p:cNvPicPr>
+          <p:nvPr>
+            <p:ph idx="1"/>
+          </p:nvPr>
+        </p:nvPicPr>
+        <p:blipFill>
+          <a:blip r:embed="rId2" cstate="print"/>
+          <a:srcRect b="44756"/>
+          <a:stretch>
+            <a:fillRect/>
+          </a:stretch>
+        </p:blipFill>
+        <p:spPr bwMode="auto">
+          <a:xfrm>
+            <a:off x="571472" y="928670"/>
+            <a:ext cx="7571247" cy="2500330"/>
           </a:xfrm>
           <a:prstGeom prst="rect">
             <a:avLst/>
@@ -3872,7 +4540,7 @@
               <a:t>而</a:t>
             </a:r>
             <a:r>
-              <a:rPr lang="en-US" altLang="zh-CN" sz="2800" dirty="0" err="1">
+              <a:rPr lang="en-US" altLang="zh-CN" sz="2800" dirty="0">
                 <a:solidFill>
                   <a:schemeClr val="bg1"/>
                 </a:solidFill>
@@ -3896,6 +4564,45 @@
           </a:p>
         </p:txBody>
       </p:sp>
+      <p:pic>
+        <p:nvPicPr>
+          <p:cNvPr id="1026" name="Picture 2"/>
+          <p:cNvPicPr>
+            <a:picLocks noChangeAspect="1" noChangeArrowheads="1"/>
+          </p:cNvPicPr>
+          <p:nvPr/>
+        </p:nvPicPr>
+        <p:blipFill>
+          <a:blip r:embed="rId3" cstate="print"/>
+          <a:srcRect/>
+          <a:stretch>
+            <a:fillRect/>
+          </a:stretch>
+        </p:blipFill>
+        <p:spPr bwMode="auto">
+          <a:xfrm>
+            <a:off x="928662" y="2428868"/>
+            <a:ext cx="7572428" cy="2035090"/>
+          </a:xfrm>
+          <a:prstGeom prst="rect">
+            <a:avLst/>
+          </a:prstGeom>
+          <a:ln w="38100" cap="sq">
+            <a:solidFill>
+              <a:srgbClr val="000000"/>
+            </a:solidFill>
+            <a:prstDash val="solid"/>
+            <a:miter lim="800000"/>
+          </a:ln>
+          <a:effectLst>
+            <a:outerShdw blurRad="50800" dist="38100" dir="2700000" algn="tl" rotWithShape="0">
+              <a:srgbClr val="000000">
+                <a:alpha val="43000"/>
+              </a:srgbClr>
+            </a:outerShdw>
+          </a:effectLst>
+        </p:spPr>
+      </p:pic>
     </p:spTree>
   </p:cSld>
   <p:clrMapOvr>
@@ -3911,7 +4618,224 @@
 </p:sld>
 </file>
 
-<file path=ppt/slides/slide6.xml><?xml version="1.0" encoding="utf-8"?>
+<file path=ppt/slides/slide8.xml><?xml version="1.0" encoding="utf-8"?>
+<p:sld xmlns:a="http://schemas.openxmlformats.org/drawingml/2006/main" xmlns:r="http://schemas.openxmlformats.org/officeDocument/2006/relationships" xmlns:p="http://schemas.openxmlformats.org/presentationml/2006/main">
+  <p:cSld>
+    <p:spTree>
+      <p:nvGrpSpPr>
+        <p:cNvPr id="1" name=""/>
+        <p:cNvGrpSpPr/>
+        <p:nvPr/>
+      </p:nvGrpSpPr>
+      <p:grpSpPr>
+        <a:xfrm>
+          <a:off x="0" y="0"/>
+          <a:ext cx="0" cy="0"/>
+          <a:chOff x="0" y="0"/>
+          <a:chExt cx="0" cy="0"/>
+        </a:xfrm>
+      </p:grpSpPr>
+      <p:pic>
+        <p:nvPicPr>
+          <p:cNvPr id="7171" name="Picture 3"/>
+          <p:cNvPicPr>
+            <a:picLocks noGrp="1" noChangeAspect="1" noChangeArrowheads="1"/>
+          </p:cNvPicPr>
+          <p:nvPr>
+            <p:ph idx="1"/>
+          </p:nvPr>
+        </p:nvPicPr>
+        <p:blipFill>
+          <a:blip r:embed="rId2" cstate="print"/>
+          <a:srcRect/>
+          <a:stretch>
+            <a:fillRect/>
+          </a:stretch>
+        </p:blipFill>
+        <p:spPr bwMode="auto">
+          <a:xfrm>
+            <a:off x="1643042" y="1643050"/>
+            <a:ext cx="5934075" cy="1666875"/>
+          </a:xfrm>
+          <a:prstGeom prst="rect">
+            <a:avLst/>
+          </a:prstGeom>
+          <a:ln w="38100" cap="sq">
+            <a:solidFill>
+              <a:srgbClr val="000000"/>
+            </a:solidFill>
+            <a:prstDash val="solid"/>
+            <a:miter lim="800000"/>
+          </a:ln>
+          <a:effectLst>
+            <a:outerShdw blurRad="50800" dist="38100" dir="2700000" algn="tl" rotWithShape="0">
+              <a:srgbClr val="000000">
+                <a:alpha val="43000"/>
+              </a:srgbClr>
+            </a:outerShdw>
+          </a:effectLst>
+        </p:spPr>
+      </p:pic>
+      <p:sp>
+        <p:nvSpPr>
+          <p:cNvPr id="7" name="TextBox 6"/>
+          <p:cNvSpPr txBox="1"/>
+          <p:nvPr/>
+        </p:nvSpPr>
+        <p:spPr>
+          <a:xfrm>
+            <a:off x="357158" y="4071942"/>
+            <a:ext cx="8499115" cy="1384995"/>
+          </a:xfrm>
+          <a:prstGeom prst="rect">
+            <a:avLst/>
+          </a:prstGeom>
+          <a:solidFill>
+            <a:srgbClr val="68AA35">
+              <a:alpha val="65098"/>
+            </a:srgbClr>
+          </a:solidFill>
+          <a:ln>
+            <a:noFill/>
+          </a:ln>
+        </p:spPr>
+        <p:style>
+          <a:lnRef idx="1">
+            <a:schemeClr val="accent3"/>
+          </a:lnRef>
+          <a:fillRef idx="3">
+            <a:schemeClr val="accent3"/>
+          </a:fillRef>
+          <a:effectRef idx="2">
+            <a:schemeClr val="accent3"/>
+          </a:effectRef>
+          <a:fontRef idx="minor">
+            <a:schemeClr val="lt1"/>
+          </a:fontRef>
+        </p:style>
+        <p:txBody>
+          <a:bodyPr wrap="square" lIns="180000" rIns="180000" rtlCol="0" anchor="t" anchorCtr="0">
+            <a:spAutoFit/>
+          </a:bodyPr>
+          <a:lstStyle/>
+          <a:p>
+            <a:r>
+              <a:rPr lang="zh-CN" altLang="en-US" sz="2800" dirty="0" err="1">
+                <a:solidFill>
+                  <a:schemeClr val="bg1"/>
+                </a:solidFill>
+                <a:effectLst/>
+                <a:latin typeface="微软雅黑" pitchFamily="34" charset="-122"/>
+                <a:ea typeface="微软雅黑" pitchFamily="34" charset="-122"/>
+              </a:rPr>
+              <a:t>对于不能剪裁的页面，</a:t>
+            </a:r>
+            <a:r>
+              <a:rPr lang="en-US" altLang="zh-CN" sz="2800" dirty="0">
+                <a:solidFill>
+                  <a:schemeClr val="bg1"/>
+                </a:solidFill>
+                <a:effectLst/>
+                <a:latin typeface="微软雅黑" pitchFamily="34" charset="-122"/>
+                <a:ea typeface="微软雅黑" pitchFamily="34" charset="-122"/>
+              </a:rPr>
+              <a:t>evernote</a:t>
+            </a:r>
+            <a:r>
+              <a:rPr lang="zh-CN" altLang="en-US" sz="2800" dirty="0" err="1">
+                <a:solidFill>
+                  <a:schemeClr val="bg1"/>
+                </a:solidFill>
+                <a:effectLst/>
+                <a:latin typeface="微软雅黑" pitchFamily="34" charset="-122"/>
+                <a:ea typeface="微软雅黑" pitchFamily="34" charset="-122"/>
+              </a:rPr>
+              <a:t>在</a:t>
+            </a:r>
+            <a:r>
+              <a:rPr lang="en-US" altLang="zh-CN" sz="2800" dirty="0">
+                <a:solidFill>
+                  <a:schemeClr val="bg1"/>
+                </a:solidFill>
+                <a:effectLst/>
+                <a:latin typeface="微软雅黑" pitchFamily="34" charset="-122"/>
+                <a:ea typeface="微软雅黑" pitchFamily="34" charset="-122"/>
+              </a:rPr>
+              <a:t>popup</a:t>
+            </a:r>
+            <a:r>
+              <a:rPr lang="zh-CN" altLang="en-US" sz="2800" dirty="0" err="1">
+                <a:solidFill>
+                  <a:schemeClr val="bg1"/>
+                </a:solidFill>
+                <a:effectLst/>
+                <a:latin typeface="微软雅黑" pitchFamily="34" charset="-122"/>
+                <a:ea typeface="微软雅黑" pitchFamily="34" charset="-122"/>
+              </a:rPr>
+              <a:t>里面给出了提示。</a:t>
+            </a:r>
+            <a:endParaRPr lang="en-US" altLang="zh-CN" sz="2800" dirty="0">
+              <a:solidFill>
+                <a:schemeClr val="bg1"/>
+              </a:solidFill>
+              <a:effectLst/>
+              <a:latin typeface="微软雅黑" pitchFamily="34" charset="-122"/>
+              <a:ea typeface="微软雅黑" pitchFamily="34" charset="-122"/>
+            </a:endParaRPr>
+          </a:p>
+          <a:p>
+            <a:r>
+              <a:rPr lang="zh-CN" altLang="en-US" sz="2800" dirty="0" err="1">
+                <a:solidFill>
+                  <a:schemeClr val="bg1"/>
+                </a:solidFill>
+                <a:effectLst/>
+                <a:latin typeface="微软雅黑" pitchFamily="34" charset="-122"/>
+                <a:ea typeface="微软雅黑" pitchFamily="34" charset="-122"/>
+              </a:rPr>
+              <a:t>而</a:t>
+            </a:r>
+            <a:r>
+              <a:rPr lang="en-US" altLang="zh-CN" sz="2800" dirty="0">
+                <a:solidFill>
+                  <a:schemeClr val="bg1"/>
+                </a:solidFill>
+                <a:effectLst/>
+                <a:latin typeface="微软雅黑" pitchFamily="34" charset="-122"/>
+                <a:ea typeface="微软雅黑" pitchFamily="34" charset="-122"/>
+              </a:rPr>
+              <a:t>pocket</a:t>
+            </a:r>
+            <a:r>
+              <a:rPr lang="zh-CN" altLang="en-US" sz="2800" dirty="0" err="1">
+                <a:solidFill>
+                  <a:schemeClr val="bg1"/>
+                </a:solidFill>
+                <a:effectLst/>
+                <a:latin typeface="微软雅黑" pitchFamily="34" charset="-122"/>
+                <a:ea typeface="微软雅黑" pitchFamily="34" charset="-122"/>
+              </a:rPr>
+              <a:t>对于不能收藏的页面并没有任何提示信息</a:t>
+            </a:r>
+          </a:p>
+        </p:txBody>
+      </p:sp>
+    </p:spTree>
+  </p:cSld>
+  <p:clrMapOvr>
+    <a:masterClrMapping/>
+  </p:clrMapOvr>
+  <p:timing>
+    <p:tnLst>
+      <p:par>
+        <p:cTn id="1" dur="indefinite" restart="never" nodeType="tmRoot"/>
+      </p:par>
+    </p:tnLst>
+  </p:timing>
+</p:sld>
+</file>
+
+<file path=ppt/slides/slide9.xml><?xml version="1.0" encoding="utf-8"?>
 <p:sld xmlns:a="http://schemas.openxmlformats.org/drawingml/2006/main" xmlns:r="http://schemas.openxmlformats.org/officeDocument/2006/relationships" xmlns:p="http://schemas.openxmlformats.org/presentationml/2006/main">
   <p:cSld>
     <p:spTree>
@@ -4063,7 +4987,7 @@
               <a:t>两个扩展的选项页面，其中</a:t>
             </a:r>
             <a:r>
-              <a:rPr lang="en-US" altLang="zh-CN" sz="2800" dirty="0" err="1">
+              <a:rPr lang="en-US" altLang="zh-CN" sz="2800" dirty="0">
                 <a:solidFill>
                   <a:schemeClr val="bg1"/>
                 </a:solidFill>
@@ -4084,636 +5008,6 @@
               </a:rPr>
               <a:t>在这里显示用户的登录状态</a:t>
             </a:r>
-          </a:p>
-        </p:txBody>
-      </p:sp>
-    </p:spTree>
-  </p:cSld>
-  <p:clrMapOvr>
-    <a:masterClrMapping/>
-  </p:clrMapOvr>
-  <p:timing>
-    <p:tnLst>
-      <p:par>
-        <p:cTn id="1" dur="indefinite" restart="never" nodeType="tmRoot"/>
-      </p:par>
-    </p:tnLst>
-  </p:timing>
-</p:sld>
-</file>
-
-<file path=ppt/slides/slide7.xml><?xml version="1.0" encoding="utf-8"?>
-<p:sld xmlns:a="http://schemas.openxmlformats.org/drawingml/2006/main" xmlns:r="http://schemas.openxmlformats.org/officeDocument/2006/relationships" xmlns:p="http://schemas.openxmlformats.org/presentationml/2006/main">
-  <p:cSld>
-    <p:spTree>
-      <p:nvGrpSpPr>
-        <p:cNvPr id="1" name=""/>
-        <p:cNvGrpSpPr/>
-        <p:nvPr/>
-      </p:nvGrpSpPr>
-      <p:grpSpPr>
-        <a:xfrm>
-          <a:off x="0" y="0"/>
-          <a:ext cx="0" cy="0"/>
-          <a:chOff x="0" y="0"/>
-          <a:chExt cx="0" cy="0"/>
-        </a:xfrm>
-      </p:grpSpPr>
-      <p:pic>
-        <p:nvPicPr>
-          <p:cNvPr id="7171" name="Picture 3"/>
-          <p:cNvPicPr>
-            <a:picLocks noGrp="1" noChangeAspect="1" noChangeArrowheads="1"/>
-          </p:cNvPicPr>
-          <p:nvPr>
-            <p:ph idx="1"/>
-          </p:nvPr>
-        </p:nvPicPr>
-        <p:blipFill>
-          <a:blip r:embed="rId2" cstate="print"/>
-          <a:srcRect/>
-          <a:stretch>
-            <a:fillRect/>
-          </a:stretch>
-        </p:blipFill>
-        <p:spPr bwMode="auto">
-          <a:xfrm>
-            <a:off x="1643042" y="1643050"/>
-            <a:ext cx="5934075" cy="1666875"/>
-          </a:xfrm>
-          <a:prstGeom prst="rect">
-            <a:avLst/>
-          </a:prstGeom>
-          <a:ln w="38100" cap="sq">
-            <a:solidFill>
-              <a:srgbClr val="000000"/>
-            </a:solidFill>
-            <a:prstDash val="solid"/>
-            <a:miter lim="800000"/>
-          </a:ln>
-          <a:effectLst>
-            <a:outerShdw blurRad="50800" dist="38100" dir="2700000" algn="tl" rotWithShape="0">
-              <a:srgbClr val="000000">
-                <a:alpha val="43000"/>
-              </a:srgbClr>
-            </a:outerShdw>
-          </a:effectLst>
-        </p:spPr>
-      </p:pic>
-      <p:sp>
-        <p:nvSpPr>
-          <p:cNvPr id="7" name="TextBox 6"/>
-          <p:cNvSpPr txBox="1"/>
-          <p:nvPr/>
-        </p:nvSpPr>
-        <p:spPr>
-          <a:xfrm>
-            <a:off x="357158" y="4071942"/>
-            <a:ext cx="8499115" cy="1384995"/>
-          </a:xfrm>
-          <a:prstGeom prst="rect">
-            <a:avLst/>
-          </a:prstGeom>
-          <a:solidFill>
-            <a:srgbClr val="68AA35">
-              <a:alpha val="65098"/>
-            </a:srgbClr>
-          </a:solidFill>
-          <a:ln>
-            <a:noFill/>
-          </a:ln>
-        </p:spPr>
-        <p:style>
-          <a:lnRef idx="1">
-            <a:schemeClr val="accent3"/>
-          </a:lnRef>
-          <a:fillRef idx="3">
-            <a:schemeClr val="accent3"/>
-          </a:fillRef>
-          <a:effectRef idx="2">
-            <a:schemeClr val="accent3"/>
-          </a:effectRef>
-          <a:fontRef idx="minor">
-            <a:schemeClr val="lt1"/>
-          </a:fontRef>
-        </p:style>
-        <p:txBody>
-          <a:bodyPr wrap="square" lIns="180000" rIns="180000" rtlCol="0" anchor="t" anchorCtr="0">
-            <a:spAutoFit/>
-          </a:bodyPr>
-          <a:lstStyle/>
-          <a:p>
-            <a:r>
-              <a:rPr lang="zh-CN" altLang="en-US" sz="2800" dirty="0" err="1">
-                <a:solidFill>
-                  <a:schemeClr val="bg1"/>
-                </a:solidFill>
-                <a:effectLst/>
-                <a:latin typeface="微软雅黑" pitchFamily="34" charset="-122"/>
-                <a:ea typeface="微软雅黑" pitchFamily="34" charset="-122"/>
-              </a:rPr>
-              <a:t>对于不能剪裁的页面，</a:t>
-            </a:r>
-            <a:r>
-              <a:rPr lang="en-US" altLang="zh-CN" sz="2800" dirty="0" err="1">
-                <a:solidFill>
-                  <a:schemeClr val="bg1"/>
-                </a:solidFill>
-                <a:effectLst/>
-                <a:latin typeface="微软雅黑" pitchFamily="34" charset="-122"/>
-                <a:ea typeface="微软雅黑" pitchFamily="34" charset="-122"/>
-              </a:rPr>
-              <a:t>evernote</a:t>
-            </a:r>
-            <a:r>
-              <a:rPr lang="zh-CN" altLang="en-US" sz="2800" dirty="0" err="1">
-                <a:solidFill>
-                  <a:schemeClr val="bg1"/>
-                </a:solidFill>
-                <a:effectLst/>
-                <a:latin typeface="微软雅黑" pitchFamily="34" charset="-122"/>
-                <a:ea typeface="微软雅黑" pitchFamily="34" charset="-122"/>
-              </a:rPr>
-              <a:t>在</a:t>
-            </a:r>
-            <a:r>
-              <a:rPr lang="en-US" altLang="zh-CN" sz="2800" dirty="0" err="1">
-                <a:solidFill>
-                  <a:schemeClr val="bg1"/>
-                </a:solidFill>
-                <a:effectLst/>
-                <a:latin typeface="微软雅黑" pitchFamily="34" charset="-122"/>
-                <a:ea typeface="微软雅黑" pitchFamily="34" charset="-122"/>
-              </a:rPr>
-              <a:t>popup</a:t>
-            </a:r>
-            <a:r>
-              <a:rPr lang="zh-CN" altLang="en-US" sz="2800" dirty="0" err="1">
-                <a:solidFill>
-                  <a:schemeClr val="bg1"/>
-                </a:solidFill>
-                <a:effectLst/>
-                <a:latin typeface="微软雅黑" pitchFamily="34" charset="-122"/>
-                <a:ea typeface="微软雅黑" pitchFamily="34" charset="-122"/>
-              </a:rPr>
-              <a:t>里面给出了提示。</a:t>
-            </a:r>
-            <a:endParaRPr lang="en-US" altLang="zh-CN" sz="2800" dirty="0" err="1">
-              <a:solidFill>
-                <a:schemeClr val="bg1"/>
-              </a:solidFill>
-              <a:effectLst/>
-              <a:latin typeface="微软雅黑" pitchFamily="34" charset="-122"/>
-              <a:ea typeface="微软雅黑" pitchFamily="34" charset="-122"/>
-            </a:endParaRPr>
-          </a:p>
-          <a:p>
-            <a:r>
-              <a:rPr lang="zh-CN" altLang="en-US" sz="2800" dirty="0" err="1">
-                <a:solidFill>
-                  <a:schemeClr val="bg1"/>
-                </a:solidFill>
-                <a:effectLst/>
-                <a:latin typeface="微软雅黑" pitchFamily="34" charset="-122"/>
-                <a:ea typeface="微软雅黑" pitchFamily="34" charset="-122"/>
-              </a:rPr>
-              <a:t>而</a:t>
-            </a:r>
-            <a:r>
-              <a:rPr lang="en-US" altLang="zh-CN" sz="2800" dirty="0" err="1">
-                <a:solidFill>
-                  <a:schemeClr val="bg1"/>
-                </a:solidFill>
-                <a:effectLst/>
-                <a:latin typeface="微软雅黑" pitchFamily="34" charset="-122"/>
-                <a:ea typeface="微软雅黑" pitchFamily="34" charset="-122"/>
-              </a:rPr>
-              <a:t>pocket</a:t>
-            </a:r>
-            <a:r>
-              <a:rPr lang="zh-CN" altLang="en-US" sz="2800" dirty="0" err="1">
-                <a:solidFill>
-                  <a:schemeClr val="bg1"/>
-                </a:solidFill>
-                <a:effectLst/>
-                <a:latin typeface="微软雅黑" pitchFamily="34" charset="-122"/>
-                <a:ea typeface="微软雅黑" pitchFamily="34" charset="-122"/>
-              </a:rPr>
-              <a:t>对于不能收藏的页面并没有任何提示信息</a:t>
-            </a:r>
-          </a:p>
-        </p:txBody>
-      </p:sp>
-    </p:spTree>
-  </p:cSld>
-  <p:clrMapOvr>
-    <a:masterClrMapping/>
-  </p:clrMapOvr>
-  <p:timing>
-    <p:tnLst>
-      <p:par>
-        <p:cTn id="1" dur="indefinite" restart="never" nodeType="tmRoot"/>
-      </p:par>
-    </p:tnLst>
-  </p:timing>
-</p:sld>
-</file>
-
-<file path=ppt/slides/slide8.xml><?xml version="1.0" encoding="utf-8"?>
-<p:sld xmlns:a="http://schemas.openxmlformats.org/drawingml/2006/main" xmlns:r="http://schemas.openxmlformats.org/officeDocument/2006/relationships" xmlns:p="http://schemas.openxmlformats.org/presentationml/2006/main">
-  <p:cSld>
-    <p:spTree>
-      <p:nvGrpSpPr>
-        <p:cNvPr id="1" name=""/>
-        <p:cNvGrpSpPr/>
-        <p:nvPr/>
-      </p:nvGrpSpPr>
-      <p:grpSpPr>
-        <a:xfrm>
-          <a:off x="0" y="0"/>
-          <a:ext cx="0" cy="0"/>
-          <a:chOff x="0" y="0"/>
-          <a:chExt cx="0" cy="0"/>
-        </a:xfrm>
-      </p:grpSpPr>
-      <p:sp>
-        <p:nvSpPr>
-          <p:cNvPr id="2" name="标题 1"/>
-          <p:cNvSpPr>
-            <a:spLocks noGrp="1"/>
-          </p:cNvSpPr>
-          <p:nvPr>
-            <p:ph type="title"/>
-          </p:nvPr>
-        </p:nvSpPr>
-        <p:spPr/>
-        <p:txBody>
-          <a:bodyPr/>
-          <a:lstStyle/>
-          <a:p>
-            <a:r>
-              <a:rPr lang="zh-CN" altLang="en-US" dirty="0" smtClean="0">
-                <a:latin typeface="微软雅黑" pitchFamily="34" charset="-122"/>
-                <a:ea typeface="微软雅黑" pitchFamily="34" charset="-122"/>
-              </a:rPr>
-              <a:t>图标的比对</a:t>
-            </a:r>
-            <a:endParaRPr lang="zh-CN" altLang="en-US" dirty="0">
-              <a:latin typeface="微软雅黑" pitchFamily="34" charset="-122"/>
-              <a:ea typeface="微软雅黑" pitchFamily="34" charset="-122"/>
-            </a:endParaRPr>
-          </a:p>
-        </p:txBody>
-      </p:sp>
-      <p:pic>
-        <p:nvPicPr>
-          <p:cNvPr id="8195" name="Picture 3"/>
-          <p:cNvPicPr>
-            <a:picLocks noGrp="1" noChangeAspect="1" noChangeArrowheads="1"/>
-          </p:cNvPicPr>
-          <p:nvPr>
-            <p:ph idx="1"/>
-          </p:nvPr>
-        </p:nvPicPr>
-        <p:blipFill>
-          <a:blip r:embed="rId2" cstate="print"/>
-          <a:srcRect/>
-          <a:stretch>
-            <a:fillRect/>
-          </a:stretch>
-        </p:blipFill>
-        <p:spPr bwMode="auto">
-          <a:xfrm>
-            <a:off x="1142977" y="2214555"/>
-            <a:ext cx="1866318" cy="1571636"/>
-          </a:xfrm>
-          <a:prstGeom prst="rect">
-            <a:avLst/>
-          </a:prstGeom>
-          <a:ln w="38100" cap="sq">
-            <a:solidFill>
-              <a:srgbClr val="000000"/>
-            </a:solidFill>
-            <a:prstDash val="solid"/>
-            <a:miter lim="800000"/>
-          </a:ln>
-          <a:effectLst>
-            <a:outerShdw blurRad="50800" dist="38100" dir="2700000" algn="tl" rotWithShape="0">
-              <a:srgbClr val="000000">
-                <a:alpha val="43000"/>
-              </a:srgbClr>
-            </a:outerShdw>
-          </a:effectLst>
-        </p:spPr>
-      </p:pic>
-      <p:pic>
-        <p:nvPicPr>
-          <p:cNvPr id="8196" name="Picture 4"/>
-          <p:cNvPicPr>
-            <a:picLocks noChangeAspect="1" noChangeArrowheads="1"/>
-          </p:cNvPicPr>
-          <p:nvPr/>
-        </p:nvPicPr>
-        <p:blipFill>
-          <a:blip r:embed="rId3" cstate="print"/>
-          <a:srcRect/>
-          <a:stretch>
-            <a:fillRect/>
-          </a:stretch>
-        </p:blipFill>
-        <p:spPr bwMode="auto">
-          <a:xfrm>
-            <a:off x="3571868" y="2214554"/>
-            <a:ext cx="4714908" cy="1571636"/>
-          </a:xfrm>
-          <a:prstGeom prst="rect">
-            <a:avLst/>
-          </a:prstGeom>
-          <a:ln w="38100" cap="sq">
-            <a:solidFill>
-              <a:srgbClr val="000000"/>
-            </a:solidFill>
-            <a:prstDash val="solid"/>
-            <a:miter lim="800000"/>
-          </a:ln>
-          <a:effectLst>
-            <a:outerShdw blurRad="50800" dist="38100" dir="2700000" algn="tl" rotWithShape="0">
-              <a:srgbClr val="000000">
-                <a:alpha val="43000"/>
-              </a:srgbClr>
-            </a:outerShdw>
-          </a:effectLst>
-        </p:spPr>
-      </p:pic>
-      <p:sp>
-        <p:nvSpPr>
-          <p:cNvPr id="7" name="TextBox 6"/>
-          <p:cNvSpPr txBox="1"/>
-          <p:nvPr/>
-        </p:nvSpPr>
-        <p:spPr>
-          <a:xfrm>
-            <a:off x="571473" y="4643446"/>
-            <a:ext cx="8215370" cy="1384995"/>
-          </a:xfrm>
-          <a:prstGeom prst="rect">
-            <a:avLst/>
-          </a:prstGeom>
-          <a:solidFill>
-            <a:srgbClr val="68AA35">
-              <a:alpha val="65098"/>
-            </a:srgbClr>
-          </a:solidFill>
-          <a:ln>
-            <a:noFill/>
-          </a:ln>
-        </p:spPr>
-        <p:style>
-          <a:lnRef idx="1">
-            <a:schemeClr val="accent3"/>
-          </a:lnRef>
-          <a:fillRef idx="3">
-            <a:schemeClr val="accent3"/>
-          </a:fillRef>
-          <a:effectRef idx="2">
-            <a:schemeClr val="accent3"/>
-          </a:effectRef>
-          <a:fontRef idx="minor">
-            <a:schemeClr val="lt1"/>
-          </a:fontRef>
-        </p:style>
-        <p:txBody>
-          <a:bodyPr wrap="square" lIns="180000" rIns="180000" rtlCol="0" anchor="t" anchorCtr="0">
-            <a:spAutoFit/>
-          </a:bodyPr>
-          <a:lstStyle/>
-          <a:p>
-            <a:r>
-              <a:rPr lang="en-US" altLang="zh-CN" sz="2800" dirty="0" err="1">
-                <a:solidFill>
-                  <a:schemeClr val="bg1"/>
-                </a:solidFill>
-                <a:effectLst/>
-                <a:latin typeface="微软雅黑" pitchFamily="34" charset="-122"/>
-                <a:ea typeface="微软雅黑" pitchFamily="34" charset="-122"/>
-              </a:rPr>
-              <a:t>Evernote</a:t>
-            </a:r>
-            <a:r>
-              <a:rPr lang="zh-CN" altLang="en-US" sz="2800" dirty="0">
-                <a:solidFill>
-                  <a:schemeClr val="bg1"/>
-                </a:solidFill>
-                <a:effectLst/>
-                <a:latin typeface="微软雅黑" pitchFamily="34" charset="-122"/>
-                <a:ea typeface="微软雅黑" pitchFamily="34" charset="-122"/>
-              </a:rPr>
-              <a:t>在进行数据同步的时候，其右下角会显示正在同步的页面的个数</a:t>
-            </a:r>
-            <a:r>
-              <a:rPr lang="zh-CN" altLang="en-US" sz="2800" dirty="0" smtClean="0">
-                <a:solidFill>
-                  <a:schemeClr val="bg1"/>
-                </a:solidFill>
-                <a:effectLst/>
-                <a:latin typeface="微软雅黑" pitchFamily="34" charset="-122"/>
-                <a:ea typeface="微软雅黑" pitchFamily="34" charset="-122"/>
-              </a:rPr>
-              <a:t>。但是</a:t>
-            </a:r>
-            <a:r>
-              <a:rPr lang="zh-CN" altLang="en-US" sz="2800" dirty="0">
-                <a:solidFill>
-                  <a:schemeClr val="bg1"/>
-                </a:solidFill>
-                <a:effectLst/>
-                <a:latin typeface="微软雅黑" pitchFamily="34" charset="-122"/>
-                <a:ea typeface="微软雅黑" pitchFamily="34" charset="-122"/>
-              </a:rPr>
-              <a:t>两者的图标采用灰色，有一种被禁用了的感觉</a:t>
-            </a:r>
-            <a:r>
-              <a:rPr lang="en-US" altLang="zh-CN" sz="2800" dirty="0">
-                <a:solidFill>
-                  <a:schemeClr val="bg1"/>
-                </a:solidFill>
-                <a:effectLst/>
-                <a:latin typeface="微软雅黑" pitchFamily="34" charset="-122"/>
-                <a:ea typeface="微软雅黑" pitchFamily="34" charset="-122"/>
-              </a:rPr>
-              <a:t>…</a:t>
-            </a:r>
-          </a:p>
-        </p:txBody>
-      </p:sp>
-    </p:spTree>
-  </p:cSld>
-  <p:clrMapOvr>
-    <a:masterClrMapping/>
-  </p:clrMapOvr>
-  <p:timing>
-    <p:tnLst>
-      <p:par>
-        <p:cTn id="1" dur="indefinite" restart="never" nodeType="tmRoot"/>
-      </p:par>
-    </p:tnLst>
-  </p:timing>
-</p:sld>
-</file>
-
-<file path=ppt/slides/slide9.xml><?xml version="1.0" encoding="utf-8"?>
-<p:sld xmlns:a="http://schemas.openxmlformats.org/drawingml/2006/main" xmlns:r="http://schemas.openxmlformats.org/officeDocument/2006/relationships" xmlns:p="http://schemas.openxmlformats.org/presentationml/2006/main">
-  <p:cSld>
-    <p:spTree>
-      <p:nvGrpSpPr>
-        <p:cNvPr id="1" name=""/>
-        <p:cNvGrpSpPr/>
-        <p:nvPr/>
-      </p:nvGrpSpPr>
-      <p:grpSpPr>
-        <a:xfrm>
-          <a:off x="0" y="0"/>
-          <a:ext cx="0" cy="0"/>
-          <a:chOff x="0" y="0"/>
-          <a:chExt cx="0" cy="0"/>
-        </a:xfrm>
-      </p:grpSpPr>
-      <p:pic>
-        <p:nvPicPr>
-          <p:cNvPr id="10242" name="Picture 2"/>
-          <p:cNvPicPr>
-            <a:picLocks noGrp="1" noChangeAspect="1" noChangeArrowheads="1"/>
-          </p:cNvPicPr>
-          <p:nvPr>
-            <p:ph idx="1"/>
-          </p:nvPr>
-        </p:nvPicPr>
-        <p:blipFill>
-          <a:blip r:embed="rId2" cstate="print"/>
-          <a:srcRect/>
-          <a:stretch>
-            <a:fillRect/>
-          </a:stretch>
-        </p:blipFill>
-        <p:spPr bwMode="auto">
-          <a:xfrm>
-            <a:off x="1857356" y="500042"/>
-            <a:ext cx="4781550" cy="3914775"/>
-          </a:xfrm>
-          <a:prstGeom prst="rect">
-            <a:avLst/>
-          </a:prstGeom>
-          <a:ln w="38100" cap="sq">
-            <a:solidFill>
-              <a:srgbClr val="000000"/>
-            </a:solidFill>
-            <a:prstDash val="solid"/>
-            <a:miter lim="800000"/>
-          </a:ln>
-          <a:effectLst>
-            <a:outerShdw blurRad="50800" dist="38100" dir="2700000" algn="tl" rotWithShape="0">
-              <a:srgbClr val="000000">
-                <a:alpha val="43000"/>
-              </a:srgbClr>
-            </a:outerShdw>
-          </a:effectLst>
-        </p:spPr>
-      </p:pic>
-      <p:sp>
-        <p:nvSpPr>
-          <p:cNvPr id="5" name="TextBox 4"/>
-          <p:cNvSpPr txBox="1"/>
-          <p:nvPr/>
-        </p:nvSpPr>
-        <p:spPr>
-          <a:xfrm>
-            <a:off x="571472" y="4929198"/>
-            <a:ext cx="8001056" cy="1384995"/>
-          </a:xfrm>
-          <a:prstGeom prst="rect">
-            <a:avLst/>
-          </a:prstGeom>
-          <a:solidFill>
-            <a:srgbClr val="68AA35">
-              <a:alpha val="65098"/>
-            </a:srgbClr>
-          </a:solidFill>
-          <a:ln>
-            <a:noFill/>
-          </a:ln>
-        </p:spPr>
-        <p:style>
-          <a:lnRef idx="1">
-            <a:schemeClr val="accent3"/>
-          </a:lnRef>
-          <a:fillRef idx="3">
-            <a:schemeClr val="accent3"/>
-          </a:fillRef>
-          <a:effectRef idx="2">
-            <a:schemeClr val="accent3"/>
-          </a:effectRef>
-          <a:fontRef idx="minor">
-            <a:schemeClr val="lt1"/>
-          </a:fontRef>
-        </p:style>
-        <p:txBody>
-          <a:bodyPr wrap="square" lIns="180000" rIns="180000" rtlCol="0" anchor="t" anchorCtr="0">
-            <a:spAutoFit/>
-          </a:bodyPr>
-          <a:lstStyle/>
-          <a:p>
-            <a:r>
-              <a:rPr lang="zh-CN" altLang="en-US" sz="2800" dirty="0" err="1">
-                <a:solidFill>
-                  <a:schemeClr val="bg1"/>
-                </a:solidFill>
-                <a:effectLst/>
-                <a:latin typeface="微软雅黑" pitchFamily="34" charset="-122"/>
-                <a:ea typeface="微软雅黑" pitchFamily="34" charset="-122"/>
-              </a:rPr>
-              <a:t>同时也调研了</a:t>
-            </a:r>
-            <a:r>
-              <a:rPr lang="en-US" altLang="zh-CN" sz="2800" dirty="0" err="1">
-                <a:solidFill>
-                  <a:schemeClr val="bg1"/>
-                </a:solidFill>
-                <a:effectLst/>
-                <a:latin typeface="微软雅黑" pitchFamily="34" charset="-122"/>
-                <a:ea typeface="微软雅黑" pitchFamily="34" charset="-122"/>
-              </a:rPr>
-              <a:t>delicious</a:t>
-            </a:r>
-            <a:r>
-              <a:rPr lang="zh-CN" altLang="en-US" sz="2800" dirty="0">
-                <a:solidFill>
-                  <a:schemeClr val="bg1"/>
-                </a:solidFill>
-                <a:effectLst/>
-                <a:latin typeface="微软雅黑" pitchFamily="34" charset="-122"/>
-                <a:ea typeface="微软雅黑" pitchFamily="34" charset="-122"/>
-              </a:rPr>
-              <a:t>目前的一个扩展，设计上没有前面所述的两个要好，并且感觉是无人维护状态</a:t>
-            </a:r>
-            <a:r>
-              <a:rPr lang="en-US" altLang="zh-CN" sz="2800" dirty="0" err="1">
-                <a:solidFill>
-                  <a:schemeClr val="bg1"/>
-                </a:solidFill>
-                <a:effectLst/>
-                <a:latin typeface="微软雅黑" pitchFamily="34" charset="-122"/>
-                <a:ea typeface="微软雅黑" pitchFamily="34" charset="-122"/>
-              </a:rPr>
-              <a:t>…</a:t>
-            </a:r>
-            <a:endParaRPr lang="zh-CN" altLang="en-US" sz="2800" dirty="0" err="1">
-              <a:solidFill>
-                <a:schemeClr val="bg1"/>
-              </a:solidFill>
-              <a:effectLst/>
-              <a:latin typeface="微软雅黑" pitchFamily="34" charset="-122"/>
-              <a:ea typeface="微软雅黑" pitchFamily="34" charset="-122"/>
-            </a:endParaRPr>
           </a:p>
         </p:txBody>
       </p:sp>
